--- a/less-5-混合2.pptx
+++ b/less-5-混合2.pptx
@@ -118,7 +118,7 @@
   </p:defaultTextStyle>
   <p:extLst>
     <p:ext uri="{EFAFB233-063F-42B5-8137-9DF3F51BA10A}">
-      <p15:sldGuideLst xmlns="" xmlns:p15="http://schemas.microsoft.com/office/powerpoint/2012/main">
+      <p15:sldGuideLst xmlns:p15="http://schemas.microsoft.com/office/powerpoint/2012/main" xmlns="">
         <p15:guide id="1" orient="horz" pos="2160">
           <p15:clr>
             <a:srgbClr val="A4A3A4"/>
@@ -217,7 +217,7 @@
           <a:p>
             <a:fld id="{918C987C-5DAD-4601-B625-55A3208473B0}" type="datetimeFigureOut">
               <a:rPr lang="zh-CN" altLang="en-US" smtClean="0"/>
-              <a:t>2018/12/10</a:t>
+              <a:t>2018/12/18</a:t>
             </a:fld>
             <a:endParaRPr lang="zh-CN" altLang="en-US"/>
           </a:p>
@@ -485,6 +485,90 @@
 </p:notesMaster>
 </file>
 
+<file path=ppt/notesSlides/notesSlide1.xml><?xml version="1.0" encoding="utf-8"?>
+<p:notes xmlns:a="http://schemas.openxmlformats.org/drawingml/2006/main" xmlns:r="http://schemas.openxmlformats.org/officeDocument/2006/relationships" xmlns:p="http://schemas.openxmlformats.org/presentationml/2006/main">
+  <p:cSld>
+    <p:spTree>
+      <p:nvGrpSpPr>
+        <p:cNvPr id="1" name=""/>
+        <p:cNvGrpSpPr/>
+        <p:nvPr/>
+      </p:nvGrpSpPr>
+      <p:grpSpPr>
+        <a:xfrm>
+          <a:off x="0" y="0"/>
+          <a:ext cx="0" cy="0"/>
+          <a:chOff x="0" y="0"/>
+          <a:chExt cx="0" cy="0"/>
+        </a:xfrm>
+      </p:grpSpPr>
+      <p:sp>
+        <p:nvSpPr>
+          <p:cNvPr id="2" name="幻灯片图像占位符 1"/>
+          <p:cNvSpPr>
+            <a:spLocks noGrp="1" noRot="1" noChangeAspect="1"/>
+          </p:cNvSpPr>
+          <p:nvPr>
+            <p:ph type="sldImg"/>
+          </p:nvPr>
+        </p:nvSpPr>
+        <p:spPr/>
+      </p:sp>
+      <p:sp>
+        <p:nvSpPr>
+          <p:cNvPr id="3" name="备注占位符 2"/>
+          <p:cNvSpPr>
+            <a:spLocks noGrp="1"/>
+          </p:cNvSpPr>
+          <p:nvPr>
+            <p:ph type="body" idx="1"/>
+          </p:nvPr>
+        </p:nvSpPr>
+        <p:spPr/>
+        <p:txBody>
+          <a:bodyPr/>
+          <a:lstStyle/>
+          <a:p>
+            <a:endParaRPr lang="zh-CN" altLang="en-US" dirty="0"/>
+          </a:p>
+        </p:txBody>
+      </p:sp>
+      <p:sp>
+        <p:nvSpPr>
+          <p:cNvPr id="4" name="灯片编号占位符 3"/>
+          <p:cNvSpPr>
+            <a:spLocks noGrp="1"/>
+          </p:cNvSpPr>
+          <p:nvPr>
+            <p:ph type="sldNum" sz="quarter" idx="10"/>
+          </p:nvPr>
+        </p:nvSpPr>
+        <p:spPr/>
+        <p:txBody>
+          <a:bodyPr/>
+          <a:lstStyle/>
+          <a:p>
+            <a:fld id="{AB6F2BC2-E7C7-4DAF-AC38-C7272999FEC3}" type="slidenum">
+              <a:rPr lang="zh-CN" altLang="en-US" smtClean="0"/>
+              <a:t>10</a:t>
+            </a:fld>
+            <a:endParaRPr lang="zh-CN" altLang="en-US"/>
+          </a:p>
+        </p:txBody>
+      </p:sp>
+    </p:spTree>
+    <p:extLst>
+      <p:ext uri="{BB962C8B-B14F-4D97-AF65-F5344CB8AC3E}">
+        <p14:creationId xmlns:p14="http://schemas.microsoft.com/office/powerpoint/2010/main" val="4078483664"/>
+      </p:ext>
+    </p:extLst>
+  </p:cSld>
+  <p:clrMapOvr>
+    <a:masterClrMapping/>
+  </p:clrMapOvr>
+</p:notes>
+</file>
+
 <file path=ppt/slideLayouts/slideLayout1.xml><?xml version="1.0" encoding="utf-8"?>
 <p:sldLayout xmlns:a="http://schemas.openxmlformats.org/drawingml/2006/main" xmlns:r="http://schemas.openxmlformats.org/officeDocument/2006/relationships" xmlns:p="http://schemas.openxmlformats.org/presentationml/2006/main" type="title" preserve="1">
   <p:cSld name="标题幻灯片">
@@ -666,7 +750,7 @@
           <a:p>
             <a:fld id="{17C7C8FB-1C37-4023-AA22-09D5A8E13DCF}" type="datetimeFigureOut">
               <a:rPr lang="zh-CN" altLang="en-US" smtClean="0"/>
-              <a:t>2018/12/10</a:t>
+              <a:t>2018/12/18</a:t>
             </a:fld>
             <a:endParaRPr lang="zh-CN" altLang="en-US"/>
           </a:p>
@@ -836,7 +920,7 @@
           <a:p>
             <a:fld id="{17C7C8FB-1C37-4023-AA22-09D5A8E13DCF}" type="datetimeFigureOut">
               <a:rPr lang="zh-CN" altLang="en-US" smtClean="0"/>
-              <a:t>2018/12/10</a:t>
+              <a:t>2018/12/18</a:t>
             </a:fld>
             <a:endParaRPr lang="zh-CN" altLang="en-US"/>
           </a:p>
@@ -1016,7 +1100,7 @@
           <a:p>
             <a:fld id="{17C7C8FB-1C37-4023-AA22-09D5A8E13DCF}" type="datetimeFigureOut">
               <a:rPr lang="zh-CN" altLang="en-US" smtClean="0"/>
-              <a:t>2018/12/10</a:t>
+              <a:t>2018/12/18</a:t>
             </a:fld>
             <a:endParaRPr lang="zh-CN" altLang="en-US"/>
           </a:p>
@@ -1186,7 +1270,7 @@
           <a:p>
             <a:fld id="{17C7C8FB-1C37-4023-AA22-09D5A8E13DCF}" type="datetimeFigureOut">
               <a:rPr lang="zh-CN" altLang="en-US" smtClean="0"/>
-              <a:t>2018/12/10</a:t>
+              <a:t>2018/12/18</a:t>
             </a:fld>
             <a:endParaRPr lang="zh-CN" altLang="en-US"/>
           </a:p>
@@ -1432,7 +1516,7 @@
           <a:p>
             <a:fld id="{17C7C8FB-1C37-4023-AA22-09D5A8E13DCF}" type="datetimeFigureOut">
               <a:rPr lang="zh-CN" altLang="en-US" smtClean="0"/>
-              <a:t>2018/12/10</a:t>
+              <a:t>2018/12/18</a:t>
             </a:fld>
             <a:endParaRPr lang="zh-CN" altLang="en-US"/>
           </a:p>
@@ -1720,7 +1804,7 @@
           <a:p>
             <a:fld id="{17C7C8FB-1C37-4023-AA22-09D5A8E13DCF}" type="datetimeFigureOut">
               <a:rPr lang="zh-CN" altLang="en-US" smtClean="0"/>
-              <a:t>2018/12/10</a:t>
+              <a:t>2018/12/18</a:t>
             </a:fld>
             <a:endParaRPr lang="zh-CN" altLang="en-US"/>
           </a:p>
@@ -2142,7 +2226,7 @@
           <a:p>
             <a:fld id="{17C7C8FB-1C37-4023-AA22-09D5A8E13DCF}" type="datetimeFigureOut">
               <a:rPr lang="zh-CN" altLang="en-US" smtClean="0"/>
-              <a:t>2018/12/10</a:t>
+              <a:t>2018/12/18</a:t>
             </a:fld>
             <a:endParaRPr lang="zh-CN" altLang="en-US"/>
           </a:p>
@@ -2260,7 +2344,7 @@
           <a:p>
             <a:fld id="{17C7C8FB-1C37-4023-AA22-09D5A8E13DCF}" type="datetimeFigureOut">
               <a:rPr lang="zh-CN" altLang="en-US" smtClean="0"/>
-              <a:t>2018/12/10</a:t>
+              <a:t>2018/12/18</a:t>
             </a:fld>
             <a:endParaRPr lang="zh-CN" altLang="en-US"/>
           </a:p>
@@ -2355,7 +2439,7 @@
           <a:p>
             <a:fld id="{17C7C8FB-1C37-4023-AA22-09D5A8E13DCF}" type="datetimeFigureOut">
               <a:rPr lang="zh-CN" altLang="en-US" smtClean="0"/>
-              <a:t>2018/12/10</a:t>
+              <a:t>2018/12/18</a:t>
             </a:fld>
             <a:endParaRPr lang="zh-CN" altLang="en-US"/>
           </a:p>
@@ -2632,7 +2716,7 @@
           <a:p>
             <a:fld id="{17C7C8FB-1C37-4023-AA22-09D5A8E13DCF}" type="datetimeFigureOut">
               <a:rPr lang="zh-CN" altLang="en-US" smtClean="0"/>
-              <a:t>2018/12/10</a:t>
+              <a:t>2018/12/18</a:t>
             </a:fld>
             <a:endParaRPr lang="zh-CN" altLang="en-US"/>
           </a:p>
@@ -2885,7 +2969,7 @@
           <a:p>
             <a:fld id="{17C7C8FB-1C37-4023-AA22-09D5A8E13DCF}" type="datetimeFigureOut">
               <a:rPr lang="zh-CN" altLang="en-US" smtClean="0"/>
-              <a:t>2018/12/10</a:t>
+              <a:t>2018/12/18</a:t>
             </a:fld>
             <a:endParaRPr lang="zh-CN" altLang="en-US"/>
           </a:p>
@@ -3098,7 +3182,7 @@
           <a:p>
             <a:fld id="{17C7C8FB-1C37-4023-AA22-09D5A8E13DCF}" type="datetimeFigureOut">
               <a:rPr lang="zh-CN" altLang="en-US" smtClean="0"/>
-              <a:t>2018/12/10</a:t>
+              <a:t>2018/12/18</a:t>
             </a:fld>
             <a:endParaRPr lang="zh-CN" altLang="en-US"/>
           </a:p>
@@ -3678,7 +3762,7 @@
           <p:nvPr/>
         </p:nvPicPr>
         <p:blipFill>
-          <a:blip r:embed="rId2">
+          <a:blip r:embed="rId3">
             <a:extLst>
               <a:ext uri="{28A0092B-C50C-407E-A947-70E740481C1C}">
                 <a14:useLocalDpi xmlns:a14="http://schemas.microsoft.com/office/drawing/2010/main" val="0"/>
@@ -3691,12 +3775,22 @@
         </p:blipFill>
         <p:spPr>
           <a:xfrm>
-            <a:off x="794711" y="2710112"/>
+            <a:off x="794711" y="2265968"/>
             <a:ext cx="7144747" cy="2753109"/>
           </a:xfrm>
           <a:prstGeom prst="rect">
             <a:avLst/>
           </a:prstGeom>
+          <a:ln>
+            <a:noFill/>
+          </a:ln>
+          <a:effectLst>
+            <a:outerShdw blurRad="292100" dist="139700" dir="2700000" algn="tl" rotWithShape="0">
+              <a:srgbClr val="333333">
+                <a:alpha val="65000"/>
+              </a:srgbClr>
+            </a:outerShdw>
+          </a:effectLst>
         </p:spPr>
       </p:pic>
       <p:sp>
@@ -3707,7 +3801,7 @@
         </p:nvSpPr>
         <p:spPr>
           <a:xfrm>
-            <a:off x="782115" y="2710112"/>
+            <a:off x="782115" y="2265968"/>
             <a:ext cx="7157343" cy="720080"/>
           </a:xfrm>
           <a:prstGeom prst="rect">
@@ -3753,7 +3847,7 @@
         </p:nvSpPr>
         <p:spPr>
           <a:xfrm>
-            <a:off x="1187624" y="4745958"/>
+            <a:off x="1187624" y="4301814"/>
             <a:ext cx="6840760" cy="717263"/>
           </a:xfrm>
           <a:prstGeom prst="rect">
@@ -3799,13 +3893,13 @@
         </p:nvSpPr>
         <p:spPr>
           <a:xfrm>
-            <a:off x="5580111" y="2060848"/>
+            <a:off x="4211960" y="2610860"/>
             <a:ext cx="2637283" cy="432048"/>
           </a:xfrm>
           <a:prstGeom prst="wedgeRoundRectCallout">
             <a:avLst>
-              <a:gd name="adj1" fmla="val -27698"/>
-              <a:gd name="adj2" fmla="val 98316"/>
+              <a:gd name="adj1" fmla="val -54902"/>
+              <a:gd name="adj2" fmla="val 16915"/>
               <a:gd name="adj3" fmla="val 16667"/>
             </a:avLst>
           </a:prstGeom>
@@ -3830,11 +3924,18 @@
           <a:p>
             <a:pPr algn="ctr"/>
             <a:r>
+              <a:rPr lang="en-US" altLang="zh-CN" dirty="0">
+                <a:latin typeface="微软雅黑" pitchFamily="34" charset="-122"/>
+                <a:ea typeface="微软雅黑" pitchFamily="34" charset="-122"/>
+              </a:rPr>
+              <a:t>w</a:t>
+            </a:r>
+            <a:r>
               <a:rPr lang="en-US" altLang="zh-CN" dirty="0" smtClean="0">
                 <a:latin typeface="微软雅黑" pitchFamily="34" charset="-122"/>
                 <a:ea typeface="微软雅黑" pitchFamily="34" charset="-122"/>
               </a:rPr>
-              <a:t>When</a:t>
+              <a:t>hen</a:t>
             </a:r>
             <a:r>
               <a:rPr lang="zh-CN" altLang="en-US" dirty="0" smtClean="0">
@@ -3858,7 +3959,7 @@
         </p:nvSpPr>
         <p:spPr>
           <a:xfrm>
-            <a:off x="1160940" y="1784912"/>
+            <a:off x="1160940" y="1340768"/>
             <a:ext cx="3322134" cy="852000"/>
           </a:xfrm>
           <a:prstGeom prst="wedgeRoundRectCallout">
@@ -3911,7 +4012,7 @@
         <p:spPr>
           <a:xfrm>
             <a:off x="684000" y="332656"/>
-            <a:ext cx="7776000" cy="581057"/>
+            <a:ext cx="7776000" cy="646331"/>
           </a:xfrm>
           <a:prstGeom prst="rect">
             <a:avLst/>
@@ -3940,7 +4041,46 @@
                 <a:latin typeface="微软雅黑" pitchFamily="34" charset="-122"/>
                 <a:ea typeface="微软雅黑" pitchFamily="34" charset="-122"/>
               </a:rPr>
-              <a:t>我们尝试增加更多变量，以便实现更大的灵活性</a:t>
+              <a:t>尝试</a:t>
+            </a:r>
+            <a:r>
+              <a:rPr lang="zh-CN" altLang="en-US" sz="2400" dirty="0" smtClean="0">
+                <a:solidFill>
+                  <a:schemeClr val="tx1">
+                    <a:lumMod val="75000"/>
+                    <a:lumOff val="25000"/>
+                  </a:schemeClr>
+                </a:solidFill>
+                <a:latin typeface="微软雅黑" pitchFamily="34" charset="-122"/>
+                <a:ea typeface="微软雅黑" pitchFamily="34" charset="-122"/>
+              </a:rPr>
+              <a:t>增加更多变量，</a:t>
+            </a:r>
+            <a:r>
+              <a:rPr lang="zh-CN" altLang="en-US" sz="2400" dirty="0" smtClean="0">
+                <a:solidFill>
+                  <a:schemeClr val="tx1">
+                    <a:lumMod val="75000"/>
+                    <a:lumOff val="25000"/>
+                  </a:schemeClr>
+                </a:solidFill>
+                <a:latin typeface="微软雅黑" pitchFamily="34" charset="-122"/>
+                <a:ea typeface="微软雅黑" pitchFamily="34" charset="-122"/>
+              </a:rPr>
+              <a:t>以实现</a:t>
+            </a:r>
+            <a:r>
+              <a:rPr lang="zh-CN" altLang="en-US" sz="2400" dirty="0" smtClean="0">
+                <a:solidFill>
+                  <a:schemeClr val="tx1">
+                    <a:lumMod val="75000"/>
+                    <a:lumOff val="25000"/>
+                  </a:schemeClr>
+                </a:solidFill>
+                <a:latin typeface="微软雅黑" pitchFamily="34" charset="-122"/>
+                <a:ea typeface="微软雅黑" pitchFamily="34" charset="-122"/>
+              </a:rPr>
+              <a:t>更大的灵活性</a:t>
             </a:r>
             <a:endParaRPr lang="en-US" altLang="zh-CN" sz="2400" dirty="0" smtClean="0">
               <a:solidFill>
@@ -3963,13 +4103,13 @@
         </p:nvSpPr>
         <p:spPr>
           <a:xfrm>
-            <a:off x="3851920" y="3654618"/>
-            <a:ext cx="3456383" cy="432048"/>
+            <a:off x="3635897" y="3210474"/>
+            <a:ext cx="3079426" cy="432048"/>
           </a:xfrm>
           <a:prstGeom prst="wedgeRoundRectCallout">
             <a:avLst>
-              <a:gd name="adj1" fmla="val -56502"/>
-              <a:gd name="adj2" fmla="val 3891"/>
+              <a:gd name="adj1" fmla="val -52839"/>
+              <a:gd name="adj2" fmla="val 13659"/>
               <a:gd name="adj3" fmla="val 16667"/>
             </a:avLst>
           </a:prstGeom>
@@ -4015,7 +4155,7 @@
         </p:nvSpPr>
         <p:spPr>
           <a:xfrm>
-            <a:off x="4483074" y="5280295"/>
+            <a:off x="4483074" y="4836151"/>
             <a:ext cx="2232248" cy="432048"/>
           </a:xfrm>
           <a:prstGeom prst="wedgeRoundRectCallout">
@@ -4051,6 +4191,98 @@
                 <a:ea typeface="微软雅黑" pitchFamily="34" charset="-122"/>
               </a:rPr>
               <a:t>递增属性值和索引</a:t>
+            </a:r>
+            <a:endParaRPr lang="zh-CN" altLang="en-US" dirty="0">
+              <a:latin typeface="微软雅黑" pitchFamily="34" charset="-122"/>
+              <a:ea typeface="微软雅黑" pitchFamily="34" charset="-122"/>
+            </a:endParaRPr>
+          </a:p>
+        </p:txBody>
+      </p:sp>
+      <p:pic>
+        <p:nvPicPr>
+          <p:cNvPr id="2" name="图片 1" descr="屏幕剪辑"/>
+          <p:cNvPicPr>
+            <a:picLocks noChangeAspect="1"/>
+          </p:cNvPicPr>
+          <p:nvPr/>
+        </p:nvPicPr>
+        <p:blipFill>
+          <a:blip r:embed="rId4">
+            <a:extLst>
+              <a:ext uri="{28A0092B-C50C-407E-A947-70E740481C1C}">
+                <a14:useLocalDpi xmlns:a14="http://schemas.microsoft.com/office/drawing/2010/main" val="0"/>
+              </a:ext>
+            </a:extLst>
+          </a:blip>
+          <a:stretch>
+            <a:fillRect/>
+          </a:stretch>
+        </p:blipFill>
+        <p:spPr>
+          <a:xfrm>
+            <a:off x="782115" y="5288767"/>
+            <a:ext cx="5277587" cy="1371791"/>
+          </a:xfrm>
+          <a:prstGeom prst="rect">
+            <a:avLst/>
+          </a:prstGeom>
+          <a:ln>
+            <a:noFill/>
+          </a:ln>
+          <a:effectLst>
+            <a:outerShdw blurRad="292100" dist="139700" dir="2700000" algn="tl" rotWithShape="0">
+              <a:srgbClr val="333333">
+                <a:alpha val="65000"/>
+              </a:srgbClr>
+            </a:outerShdw>
+          </a:effectLst>
+        </p:spPr>
+      </p:pic>
+      <p:sp>
+        <p:nvSpPr>
+          <p:cNvPr id="12" name="圆角矩形标注 11"/>
+          <p:cNvSpPr/>
+          <p:nvPr/>
+        </p:nvSpPr>
+        <p:spPr>
+          <a:xfrm>
+            <a:off x="4211960" y="5758638"/>
+            <a:ext cx="1847742" cy="432048"/>
+          </a:xfrm>
+          <a:prstGeom prst="wedgeRoundRectCallout">
+            <a:avLst>
+              <a:gd name="adj1" fmla="val -22471"/>
+              <a:gd name="adj2" fmla="val 72268"/>
+              <a:gd name="adj3" fmla="val 16667"/>
+            </a:avLst>
+          </a:prstGeom>
+        </p:spPr>
+        <p:style>
+          <a:lnRef idx="2">
+            <a:schemeClr val="accent5"/>
+          </a:lnRef>
+          <a:fillRef idx="1">
+            <a:schemeClr val="lt1"/>
+          </a:fillRef>
+          <a:effectRef idx="0">
+            <a:schemeClr val="accent5"/>
+          </a:effectRef>
+          <a:fontRef idx="minor">
+            <a:schemeClr val="dk1"/>
+          </a:fontRef>
+        </p:style>
+        <p:txBody>
+          <a:bodyPr rtlCol="0" anchor="ctr"/>
+          <a:lstStyle/>
+          <a:p>
+            <a:pPr algn="ctr"/>
+            <a:r>
+              <a:rPr lang="zh-CN" altLang="en-US" dirty="0" smtClean="0">
+                <a:latin typeface="微软雅黑" pitchFamily="34" charset="-122"/>
+                <a:ea typeface="微软雅黑" pitchFamily="34" charset="-122"/>
+              </a:rPr>
+              <a:t>同样可以实现</a:t>
             </a:r>
             <a:endParaRPr lang="zh-CN" altLang="en-US" dirty="0">
               <a:latin typeface="微软雅黑" pitchFamily="34" charset="-122"/>
@@ -4214,7 +4446,59 @@
                 <a:latin typeface="微软雅黑" pitchFamily="34" charset="-122"/>
                 <a:ea typeface="微软雅黑" pitchFamily="34" charset="-122"/>
               </a:rPr>
-              <a:t>函数一样，建立一个可以返回值的混合，可惜在</a:t>
+              <a:t>函数一样，建立一</a:t>
+            </a:r>
+            <a:r>
+              <a:rPr lang="zh-CN" altLang="en-US" sz="2400" dirty="0" smtClean="0">
+                <a:solidFill>
+                  <a:schemeClr val="tx1">
+                    <a:lumMod val="75000"/>
+                    <a:lumOff val="25000"/>
+                  </a:schemeClr>
+                </a:solidFill>
+                <a:latin typeface="微软雅黑" pitchFamily="34" charset="-122"/>
+                <a:ea typeface="微软雅黑" pitchFamily="34" charset="-122"/>
+              </a:rPr>
+              <a:t>个</a:t>
+            </a:r>
+            <a:r>
+              <a:rPr lang="zh-CN" altLang="en-US" sz="2400" dirty="0">
+                <a:solidFill>
+                  <a:schemeClr val="tx1">
+                    <a:lumMod val="75000"/>
+                    <a:lumOff val="25000"/>
+                  </a:schemeClr>
+                </a:solidFill>
+                <a:latin typeface="微软雅黑" pitchFamily="34" charset="-122"/>
+                <a:ea typeface="微软雅黑" pitchFamily="34" charset="-122"/>
+              </a:rPr>
+              <a:t>有</a:t>
+            </a:r>
+            <a:r>
+              <a:rPr lang="zh-CN" altLang="en-US" sz="2400" dirty="0" smtClean="0">
+                <a:solidFill>
+                  <a:schemeClr val="tx1">
+                    <a:lumMod val="75000"/>
+                    <a:lumOff val="25000"/>
+                  </a:schemeClr>
+                </a:solidFill>
+                <a:latin typeface="微软雅黑" pitchFamily="34" charset="-122"/>
+                <a:ea typeface="微软雅黑" pitchFamily="34" charset="-122"/>
+              </a:rPr>
+              <a:t>返回</a:t>
+            </a:r>
+            <a:r>
+              <a:rPr lang="zh-CN" altLang="en-US" sz="2400" dirty="0" smtClean="0">
+                <a:solidFill>
+                  <a:schemeClr val="tx1">
+                    <a:lumMod val="75000"/>
+                    <a:lumOff val="25000"/>
+                  </a:schemeClr>
+                </a:solidFill>
+                <a:latin typeface="微软雅黑" pitchFamily="34" charset="-122"/>
+                <a:ea typeface="微软雅黑" pitchFamily="34" charset="-122"/>
+              </a:rPr>
+              <a:t>值的混合，可惜在</a:t>
             </a:r>
             <a:r>
               <a:rPr lang="en-US" altLang="zh-CN" sz="2400" dirty="0" smtClean="0">
@@ -4431,7 +4715,33 @@
                 <a:latin typeface="微软雅黑" pitchFamily="34" charset="-122"/>
                 <a:ea typeface="微软雅黑" pitchFamily="34" charset="-122"/>
               </a:rPr>
-              <a:t>可以在混合中定义变量，然后在调用混合的地方使用</a:t>
+              <a:t>可在</a:t>
+            </a:r>
+            <a:r>
+              <a:rPr lang="zh-CN" altLang="en-US" sz="2400" dirty="0" smtClean="0">
+                <a:solidFill>
+                  <a:schemeClr val="tx1">
+                    <a:lumMod val="75000"/>
+                    <a:lumOff val="25000"/>
+                  </a:schemeClr>
+                </a:solidFill>
+                <a:latin typeface="微软雅黑" pitchFamily="34" charset="-122"/>
+                <a:ea typeface="微软雅黑" pitchFamily="34" charset="-122"/>
+              </a:rPr>
+              <a:t>混合中定义变量</a:t>
+            </a:r>
+            <a:r>
+              <a:rPr lang="zh-CN" altLang="en-US" sz="2400" dirty="0" smtClean="0">
+                <a:solidFill>
+                  <a:schemeClr val="tx1">
+                    <a:lumMod val="75000"/>
+                    <a:lumOff val="25000"/>
+                  </a:schemeClr>
+                </a:solidFill>
+                <a:latin typeface="微软雅黑" pitchFamily="34" charset="-122"/>
+                <a:ea typeface="微软雅黑" pitchFamily="34" charset="-122"/>
+              </a:rPr>
+              <a:t>，调用混合后，就可在同范围使用</a:t>
             </a:r>
             <a:endParaRPr lang="en-US" altLang="zh-CN" sz="2400" dirty="0" smtClean="0">
               <a:solidFill>
@@ -4665,7 +4975,7 @@
         <p:spPr>
           <a:xfrm>
             <a:off x="1511660" y="3462058"/>
-            <a:ext cx="1908212" cy="432048"/>
+            <a:ext cx="1591395" cy="432048"/>
           </a:xfrm>
           <a:prstGeom prst="wedgeRoundRectCallout">
             <a:avLst>
@@ -4699,7 +5009,14 @@
                 <a:latin typeface="微软雅黑" pitchFamily="34" charset="-122"/>
                 <a:ea typeface="微软雅黑" pitchFamily="34" charset="-122"/>
               </a:rPr>
-              <a:t>首先要先调用</a:t>
+              <a:t>首先</a:t>
+            </a:r>
+            <a:r>
+              <a:rPr lang="zh-CN" altLang="en-US" dirty="0" smtClean="0">
+                <a:latin typeface="微软雅黑" pitchFamily="34" charset="-122"/>
+                <a:ea typeface="微软雅黑" pitchFamily="34" charset="-122"/>
+              </a:rPr>
+              <a:t>要调用</a:t>
             </a:r>
             <a:endParaRPr lang="zh-CN" altLang="en-US" dirty="0">
               <a:latin typeface="微软雅黑" pitchFamily="34" charset="-122"/>
@@ -4716,13 +5033,13 @@
         </p:nvSpPr>
         <p:spPr>
           <a:xfrm>
-            <a:off x="3419515" y="4797152"/>
-            <a:ext cx="1908212" cy="432048"/>
+            <a:off x="3023649" y="4637441"/>
+            <a:ext cx="3096702" cy="432048"/>
           </a:xfrm>
           <a:prstGeom prst="wedgeRoundRectCallout">
             <a:avLst>
-              <a:gd name="adj1" fmla="val -62347"/>
-              <a:gd name="adj2" fmla="val 7147"/>
+              <a:gd name="adj1" fmla="val -54170"/>
+              <a:gd name="adj2" fmla="val 23427"/>
               <a:gd name="adj3" fmla="val 16667"/>
             </a:avLst>
           </a:prstGeom>
@@ -4751,7 +5068,14 @@
                 <a:latin typeface="微软雅黑" pitchFamily="34" charset="-122"/>
                 <a:ea typeface="微软雅黑" pitchFamily="34" charset="-122"/>
               </a:rPr>
-              <a:t>混合中的变量</a:t>
+              <a:t>然后才能使用混合</a:t>
+            </a:r>
+            <a:r>
+              <a:rPr lang="zh-CN" altLang="en-US" dirty="0" smtClean="0">
+                <a:latin typeface="微软雅黑" pitchFamily="34" charset="-122"/>
+                <a:ea typeface="微软雅黑" pitchFamily="34" charset="-122"/>
+              </a:rPr>
+              <a:t>中的变量</a:t>
             </a:r>
             <a:endParaRPr lang="zh-CN" altLang="en-US" dirty="0">
               <a:latin typeface="微软雅黑" pitchFamily="34" charset="-122"/>
@@ -4768,13 +5092,13 @@
         </p:nvSpPr>
         <p:spPr>
           <a:xfrm>
-            <a:off x="2830340" y="6021288"/>
+            <a:off x="2314659" y="5832046"/>
             <a:ext cx="4693988" cy="432048"/>
           </a:xfrm>
           <a:prstGeom prst="wedgeRoundRectCallout">
             <a:avLst>
-              <a:gd name="adj1" fmla="val -26223"/>
-              <a:gd name="adj2" fmla="val -90535"/>
+              <a:gd name="adj1" fmla="val -25923"/>
+              <a:gd name="adj2" fmla="val -80767"/>
               <a:gd name="adj3" fmla="val 16667"/>
             </a:avLst>
           </a:prstGeom>
@@ -4953,7 +5277,7 @@
           </p:cNvPicPr>
           <p:nvPr/>
         </p:nvPicPr>
-        <p:blipFill>
+        <p:blipFill rotWithShape="1">
           <a:blip r:embed="rId2">
             <a:extLst>
               <a:ext uri="{28A0092B-C50C-407E-A947-70E740481C1C}">
@@ -4961,14 +5285,13 @@
               </a:ext>
             </a:extLst>
           </a:blip>
-          <a:stretch>
-            <a:fillRect/>
-          </a:stretch>
+          <a:srcRect b="12890"/>
+          <a:stretch/>
         </p:blipFill>
         <p:spPr>
           <a:xfrm>
-            <a:off x="842608" y="1340768"/>
-            <a:ext cx="3867690" cy="5125165"/>
+            <a:off x="842608" y="1340769"/>
+            <a:ext cx="3867690" cy="4464496"/>
           </a:xfrm>
           <a:prstGeom prst="rect">
             <a:avLst/>
@@ -5168,8 +5491,8 @@
           </a:xfrm>
           <a:prstGeom prst="wedgeRoundRectCallout">
             <a:avLst>
-              <a:gd name="adj1" fmla="val -26231"/>
-              <a:gd name="adj2" fmla="val -77510"/>
+              <a:gd name="adj1" fmla="val -25829"/>
+              <a:gd name="adj2" fmla="val -65788"/>
               <a:gd name="adj3" fmla="val 16667"/>
             </a:avLst>
           </a:prstGeom>
@@ -5268,13 +5591,13 @@
         </p:nvSpPr>
         <p:spPr>
           <a:xfrm>
-            <a:off x="6242345" y="5773977"/>
+            <a:off x="6242345" y="5661248"/>
             <a:ext cx="2303563" cy="718574"/>
           </a:xfrm>
           <a:prstGeom prst="wedgeRoundRectCallout">
             <a:avLst>
-              <a:gd name="adj1" fmla="val -17988"/>
-              <a:gd name="adj2" fmla="val -78747"/>
+              <a:gd name="adj1" fmla="val -20431"/>
+              <a:gd name="adj2" fmla="val -65043"/>
               <a:gd name="adj3" fmla="val 16667"/>
             </a:avLst>
           </a:prstGeom>
@@ -5303,28 +5626,73 @@
                 <a:latin typeface="微软雅黑" pitchFamily="34" charset="-122"/>
                 <a:ea typeface="微软雅黑" pitchFamily="34" charset="-122"/>
               </a:rPr>
-              <a:t>如果</a:t>
+              <a:t>如果父混和调用过，</a:t>
+            </a:r>
+            <a:r>
+              <a:rPr lang="zh-CN" altLang="en-US" dirty="0">
+                <a:latin typeface="微软雅黑" pitchFamily="34" charset="-122"/>
+                <a:ea typeface="微软雅黑" pitchFamily="34" charset="-122"/>
+              </a:rPr>
+              <a:t>可</a:t>
             </a:r>
             <a:r>
               <a:rPr lang="zh-CN" altLang="en-US" dirty="0" smtClean="0">
                 <a:latin typeface="微软雅黑" pitchFamily="34" charset="-122"/>
                 <a:ea typeface="微软雅黑" pitchFamily="34" charset="-122"/>
               </a:rPr>
-              <a:t>父混和调用过，</a:t>
-            </a:r>
-            <a:r>
-              <a:rPr lang="zh-CN" altLang="en-US" dirty="0">
-                <a:latin typeface="微软雅黑" pitchFamily="34" charset="-122"/>
-                <a:ea typeface="微软雅黑" pitchFamily="34" charset="-122"/>
-              </a:rPr>
-              <a:t>可</a:t>
-            </a:r>
+              <a:t>直接调用子混合</a:t>
+            </a:r>
+            <a:endParaRPr lang="zh-CN" altLang="en-US" dirty="0">
+              <a:latin typeface="微软雅黑" pitchFamily="34" charset="-122"/>
+              <a:ea typeface="微软雅黑" pitchFamily="34" charset="-122"/>
+            </a:endParaRPr>
+          </a:p>
+        </p:txBody>
+      </p:sp>
+      <p:sp>
+        <p:nvSpPr>
+          <p:cNvPr id="13" name="圆角矩形标注 12"/>
+          <p:cNvSpPr/>
+          <p:nvPr/>
+        </p:nvSpPr>
+        <p:spPr>
+          <a:xfrm>
+            <a:off x="2867426" y="1544692"/>
+            <a:ext cx="1591395" cy="432048"/>
+          </a:xfrm>
+          <a:prstGeom prst="wedgeRoundRectCallout">
+            <a:avLst>
+              <a:gd name="adj1" fmla="val -37565"/>
+              <a:gd name="adj2" fmla="val 65756"/>
+              <a:gd name="adj3" fmla="val 16667"/>
+            </a:avLst>
+          </a:prstGeom>
+        </p:spPr>
+        <p:style>
+          <a:lnRef idx="2">
+            <a:schemeClr val="accent5"/>
+          </a:lnRef>
+          <a:fillRef idx="1">
+            <a:schemeClr val="lt1"/>
+          </a:fillRef>
+          <a:effectRef idx="0">
+            <a:schemeClr val="accent5"/>
+          </a:effectRef>
+          <a:fontRef idx="minor">
+            <a:schemeClr val="dk1"/>
+          </a:fontRef>
+        </p:style>
+        <p:txBody>
+          <a:bodyPr rtlCol="0" anchor="ctr"/>
+          <a:lstStyle/>
+          <a:p>
+            <a:pPr algn="ctr"/>
             <a:r>
               <a:rPr lang="zh-CN" altLang="en-US" dirty="0" smtClean="0">
                 <a:latin typeface="微软雅黑" pitchFamily="34" charset="-122"/>
                 <a:ea typeface="微软雅黑" pitchFamily="34" charset="-122"/>
               </a:rPr>
-              <a:t>直接调用子混合</a:t>
+              <a:t>内层混合</a:t>
             </a:r>
             <a:endParaRPr lang="zh-CN" altLang="en-US" dirty="0">
               <a:latin typeface="微软雅黑" pitchFamily="34" charset="-122"/>
@@ -5403,20 +5771,7 @@
                 <a:latin typeface="微软雅黑" pitchFamily="34" charset="-122"/>
                 <a:ea typeface="微软雅黑" pitchFamily="34" charset="-122"/>
               </a:rPr>
-              <a:t>3</a:t>
-            </a:r>
-            <a:r>
-              <a:rPr lang="en-US" altLang="zh-CN" sz="2800" b="1" dirty="0" smtClean="0">
-                <a:solidFill>
-                  <a:schemeClr val="tx1">
-                    <a:lumMod val="75000"/>
-                    <a:lumOff val="25000"/>
-                  </a:schemeClr>
-                </a:solidFill>
-                <a:latin typeface="微软雅黑" pitchFamily="34" charset="-122"/>
-                <a:ea typeface="微软雅黑" pitchFamily="34" charset="-122"/>
-              </a:rPr>
-              <a:t>.</a:t>
+              <a:t>3.</a:t>
             </a:r>
             <a:r>
               <a:rPr lang="zh-CN" altLang="en-US" sz="2800" b="1" dirty="0" smtClean="0">
@@ -5521,7 +5876,46 @@
                 <a:latin typeface="微软雅黑" pitchFamily="34" charset="-122"/>
                 <a:ea typeface="微软雅黑" pitchFamily="34" charset="-122"/>
               </a:rPr>
-              <a:t>我们可以在混合之后加上判断条件，判断传入的参数是否满足某种条件，以此来决定混合的是否生效</a:t>
+              <a:t>可在</a:t>
+            </a:r>
+            <a:r>
+              <a:rPr lang="zh-CN" altLang="en-US" sz="2400" dirty="0" smtClean="0">
+                <a:solidFill>
+                  <a:schemeClr val="tx1">
+                    <a:lumMod val="75000"/>
+                    <a:lumOff val="25000"/>
+                  </a:schemeClr>
+                </a:solidFill>
+                <a:latin typeface="微软雅黑" pitchFamily="34" charset="-122"/>
+                <a:ea typeface="微软雅黑" pitchFamily="34" charset="-122"/>
+              </a:rPr>
+              <a:t>混合之后加上判断条件，判断传入的参数是否满足</a:t>
+            </a:r>
+            <a:r>
+              <a:rPr lang="zh-CN" altLang="en-US" sz="2400" dirty="0" smtClean="0">
+                <a:solidFill>
+                  <a:schemeClr val="tx1">
+                    <a:lumMod val="75000"/>
+                    <a:lumOff val="25000"/>
+                  </a:schemeClr>
+                </a:solidFill>
+                <a:latin typeface="微软雅黑" pitchFamily="34" charset="-122"/>
+                <a:ea typeface="微软雅黑" pitchFamily="34" charset="-122"/>
+              </a:rPr>
+              <a:t>某条件</a:t>
+            </a:r>
+            <a:r>
+              <a:rPr lang="zh-CN" altLang="en-US" sz="2400" dirty="0" smtClean="0">
+                <a:solidFill>
+                  <a:schemeClr val="tx1">
+                    <a:lumMod val="75000"/>
+                    <a:lumOff val="25000"/>
+                  </a:schemeClr>
+                </a:solidFill>
+                <a:latin typeface="微软雅黑" pitchFamily="34" charset="-122"/>
+                <a:ea typeface="微软雅黑" pitchFamily="34" charset="-122"/>
+              </a:rPr>
+              <a:t>，以此来决定混合的是否生效</a:t>
             </a:r>
             <a:r>
               <a:rPr lang="en-US" altLang="zh-CN" sz="2400" dirty="0" smtClean="0">
@@ -5536,16 +5930,6 @@
               </a:rPr>
               <a:t>.</a:t>
             </a:r>
-            <a:endParaRPr lang="en-US" altLang="zh-CN" sz="2400" dirty="0" smtClean="0">
-              <a:solidFill>
-                <a:schemeClr val="tx1">
-                  <a:lumMod val="75000"/>
-                  <a:lumOff val="25000"/>
-                </a:schemeClr>
-              </a:solidFill>
-              <a:latin typeface="微软雅黑" pitchFamily="34" charset="-122"/>
-              <a:ea typeface="微软雅黑" pitchFamily="34" charset="-122"/>
-            </a:endParaRPr>
           </a:p>
         </p:txBody>
       </p:sp>
@@ -5571,7 +5955,7 @@
         </p:blipFill>
         <p:spPr>
           <a:xfrm>
-            <a:off x="1216899" y="2564904"/>
+            <a:off x="928867" y="2348880"/>
             <a:ext cx="6134956" cy="1733792"/>
           </a:xfrm>
           <a:prstGeom prst="rect">
@@ -5611,12 +5995,22 @@
         </p:blipFill>
         <p:spPr>
           <a:xfrm>
-            <a:off x="4743761" y="4653136"/>
+            <a:off x="4311713" y="4293096"/>
             <a:ext cx="2924583" cy="2000529"/>
           </a:xfrm>
           <a:prstGeom prst="rect">
             <a:avLst/>
           </a:prstGeom>
+          <a:ln>
+            <a:noFill/>
+          </a:ln>
+          <a:effectLst>
+            <a:outerShdw blurRad="292100" dist="139700" dir="2700000" algn="tl" rotWithShape="0">
+              <a:srgbClr val="333333">
+                <a:alpha val="65000"/>
+              </a:srgbClr>
+            </a:outerShdw>
+          </a:effectLst>
         </p:spPr>
       </p:pic>
       <p:pic>
@@ -5641,7 +6035,7 @@
         </p:blipFill>
         <p:spPr>
           <a:xfrm>
-            <a:off x="1331640" y="4713595"/>
+            <a:off x="899592" y="4353555"/>
             <a:ext cx="3067478" cy="1705213"/>
           </a:xfrm>
           <a:prstGeom prst="rect">
@@ -5667,7 +6061,7 @@
         </p:nvSpPr>
         <p:spPr>
           <a:xfrm>
-            <a:off x="4235741" y="4918129"/>
+            <a:off x="3803693" y="4558089"/>
             <a:ext cx="576064" cy="648072"/>
           </a:xfrm>
           <a:prstGeom prst="rightArrow">
@@ -5705,7 +6099,7 @@
         </p:nvSpPr>
         <p:spPr>
           <a:xfrm>
-            <a:off x="1514985" y="5733256"/>
+            <a:off x="1082937" y="5373216"/>
             <a:ext cx="2769392" cy="360040"/>
           </a:xfrm>
           <a:prstGeom prst="rect">
@@ -5751,7 +6145,7 @@
         </p:nvSpPr>
         <p:spPr>
           <a:xfrm>
-            <a:off x="4905849" y="6298470"/>
+            <a:off x="4473801" y="5938430"/>
             <a:ext cx="1832879" cy="360040"/>
           </a:xfrm>
           <a:prstGeom prst="rect">
@@ -5797,8 +6191,8 @@
         </p:nvSpPr>
         <p:spPr>
           <a:xfrm>
-            <a:off x="3914076" y="3163034"/>
-            <a:ext cx="3034188" cy="432048"/>
+            <a:off x="2915816" y="2780928"/>
+            <a:ext cx="4464496" cy="432048"/>
           </a:xfrm>
           <a:prstGeom prst="wedgeRoundRectCallout">
             <a:avLst>
@@ -5832,7 +6226,28 @@
                 <a:latin typeface="微软雅黑" pitchFamily="34" charset="-122"/>
                 <a:ea typeface="微软雅黑" pitchFamily="34" charset="-122"/>
               </a:rPr>
-              <a:t>判断参数是否符合条件</a:t>
+              <a:t>判断参数是否符合</a:t>
+            </a:r>
+            <a:r>
+              <a:rPr lang="zh-CN" altLang="en-US" dirty="0" smtClean="0">
+                <a:latin typeface="微软雅黑" pitchFamily="34" charset="-122"/>
+                <a:ea typeface="微软雅黑" pitchFamily="34" charset="-122"/>
+              </a:rPr>
+              <a:t>条件，</a:t>
+            </a:r>
+            <a:r>
+              <a:rPr lang="en-US" altLang="zh-CN" dirty="0" smtClean="0">
+                <a:latin typeface="微软雅黑" pitchFamily="34" charset="-122"/>
+                <a:ea typeface="微软雅黑" pitchFamily="34" charset="-122"/>
+              </a:rPr>
+              <a:t>when</a:t>
+            </a:r>
+            <a:r>
+              <a:rPr lang="zh-CN" altLang="en-US" dirty="0" smtClean="0">
+                <a:latin typeface="微软雅黑" pitchFamily="34" charset="-122"/>
+                <a:ea typeface="微软雅黑" pitchFamily="34" charset="-122"/>
+              </a:rPr>
+              <a:t>是关键字</a:t>
             </a:r>
             <a:endParaRPr lang="zh-CN" altLang="en-US" dirty="0">
               <a:latin typeface="微软雅黑" pitchFamily="34" charset="-122"/>
@@ -5841,6 +6256,134 @@
           </a:p>
         </p:txBody>
       </p:sp>
+      <p:sp>
+        <p:nvSpPr>
+          <p:cNvPr id="15" name="矩形 14"/>
+          <p:cNvSpPr/>
+          <p:nvPr/>
+        </p:nvSpPr>
+        <p:spPr>
+          <a:xfrm>
+            <a:off x="3875701" y="3356992"/>
+            <a:ext cx="2928547" cy="360040"/>
+          </a:xfrm>
+          <a:prstGeom prst="rect">
+            <a:avLst/>
+          </a:prstGeom>
+          <a:noFill/>
+          <a:ln w="38100">
+            <a:solidFill>
+              <a:srgbClr val="FFFF00"/>
+            </a:solidFill>
+          </a:ln>
+        </p:spPr>
+        <p:style>
+          <a:lnRef idx="2">
+            <a:schemeClr val="accent1">
+              <a:shade val="50000"/>
+            </a:schemeClr>
+          </a:lnRef>
+          <a:fillRef idx="1">
+            <a:schemeClr val="accent1"/>
+          </a:fillRef>
+          <a:effectRef idx="0">
+            <a:schemeClr val="accent1"/>
+          </a:effectRef>
+          <a:fontRef idx="minor">
+            <a:schemeClr val="lt1"/>
+          </a:fontRef>
+        </p:style>
+        <p:txBody>
+          <a:bodyPr rtlCol="0" anchor="ctr"/>
+          <a:lstStyle/>
+          <a:p>
+            <a:pPr algn="ctr"/>
+            <a:endParaRPr lang="zh-CN" altLang="en-US"/>
+          </a:p>
+        </p:txBody>
+      </p:sp>
+      <p:cxnSp>
+        <p:nvCxnSpPr>
+          <p:cNvPr id="6" name="曲线连接符 5"/>
+          <p:cNvCxnSpPr>
+            <a:stCxn id="15" idx="3"/>
+            <a:endCxn id="13" idx="3"/>
+          </p:cNvCxnSpPr>
+          <p:nvPr/>
+        </p:nvCxnSpPr>
+        <p:spPr>
+          <a:xfrm flipH="1">
+            <a:off x="6306680" y="3537012"/>
+            <a:ext cx="497568" cy="2581438"/>
+          </a:xfrm>
+          <a:prstGeom prst="curvedConnector3">
+            <a:avLst>
+              <a:gd name="adj1" fmla="val -45943"/>
+            </a:avLst>
+          </a:prstGeom>
+          <a:ln w="38100">
+            <a:solidFill>
+              <a:srgbClr val="FF0000"/>
+            </a:solidFill>
+            <a:tailEnd type="arrow"/>
+          </a:ln>
+        </p:spPr>
+        <p:style>
+          <a:lnRef idx="1">
+            <a:schemeClr val="accent1"/>
+          </a:lnRef>
+          <a:fillRef idx="0">
+            <a:schemeClr val="accent1"/>
+          </a:fillRef>
+          <a:effectRef idx="0">
+            <a:schemeClr val="accent1"/>
+          </a:effectRef>
+          <a:fontRef idx="minor">
+            <a:schemeClr val="tx1"/>
+          </a:fontRef>
+        </p:style>
+      </p:cxnSp>
+      <p:cxnSp>
+        <p:nvCxnSpPr>
+          <p:cNvPr id="16" name="曲线连接符 15"/>
+          <p:cNvCxnSpPr>
+            <a:stCxn id="12" idx="0"/>
+            <a:endCxn id="15" idx="2"/>
+          </p:cNvCxnSpPr>
+          <p:nvPr/>
+        </p:nvCxnSpPr>
+        <p:spPr>
+          <a:xfrm rot="5400000" flipH="1" flipV="1">
+            <a:off x="3075712" y="3108953"/>
+            <a:ext cx="1656184" cy="2872342"/>
+          </a:xfrm>
+          <a:prstGeom prst="curvedConnector3">
+            <a:avLst>
+              <a:gd name="adj1" fmla="val 50000"/>
+            </a:avLst>
+          </a:prstGeom>
+          <a:ln w="38100">
+            <a:solidFill>
+              <a:srgbClr val="FF0000"/>
+            </a:solidFill>
+            <a:tailEnd type="arrow"/>
+          </a:ln>
+        </p:spPr>
+        <p:style>
+          <a:lnRef idx="1">
+            <a:schemeClr val="accent1"/>
+          </a:lnRef>
+          <a:fillRef idx="0">
+            <a:schemeClr val="accent1"/>
+          </a:fillRef>
+          <a:effectRef idx="0">
+            <a:schemeClr val="accent1"/>
+          </a:effectRef>
+          <a:fontRef idx="minor">
+            <a:schemeClr val="tx1"/>
+          </a:fontRef>
+        </p:style>
+      </p:cxnSp>
     </p:spTree>
     <p:extLst>
       <p:ext uri="{BB962C8B-B14F-4D97-AF65-F5344CB8AC3E}">
@@ -5916,7 +6459,33 @@
                 <a:latin typeface="微软雅黑" pitchFamily="34" charset="-122"/>
                 <a:ea typeface="微软雅黑" pitchFamily="34" charset="-122"/>
               </a:rPr>
-              <a:t>混合的运算符为</a:t>
+              <a:t>条件判断</a:t>
+            </a:r>
+            <a:r>
+              <a:rPr lang="zh-CN" altLang="en-US" sz="2400" dirty="0" smtClean="0">
+                <a:solidFill>
+                  <a:schemeClr val="tx1">
+                    <a:lumMod val="75000"/>
+                    <a:lumOff val="25000"/>
+                  </a:schemeClr>
+                </a:solidFill>
+                <a:latin typeface="微软雅黑" pitchFamily="34" charset="-122"/>
+                <a:ea typeface="微软雅黑" pitchFamily="34" charset="-122"/>
+              </a:rPr>
+              <a:t>的</a:t>
+            </a:r>
+            <a:r>
+              <a:rPr lang="zh-CN" altLang="en-US" sz="2400" dirty="0" smtClean="0">
+                <a:solidFill>
+                  <a:schemeClr val="tx1">
+                    <a:lumMod val="75000"/>
+                    <a:lumOff val="25000"/>
+                  </a:schemeClr>
+                </a:solidFill>
+                <a:latin typeface="微软雅黑" pitchFamily="34" charset="-122"/>
+                <a:ea typeface="微软雅黑" pitchFamily="34" charset="-122"/>
+              </a:rPr>
+              <a:t>运算符为</a:t>
             </a:r>
             <a:r>
               <a:rPr lang="en-US" altLang="zh-CN" sz="2400" b="1" dirty="0">
@@ -5929,98 +6498,7 @@
                 <a:latin typeface="微软雅黑" pitchFamily="34" charset="-122"/>
                 <a:ea typeface="微软雅黑" pitchFamily="34" charset="-122"/>
               </a:rPr>
-              <a:t>&gt;</a:t>
-            </a:r>
-            <a:r>
-              <a:rPr lang="en-US" altLang="zh-CN" sz="2400" b="1" dirty="0">
-                <a:solidFill>
-                  <a:schemeClr val="tx1">
-                    <a:lumMod val="75000"/>
-                    <a:lumOff val="25000"/>
-                  </a:schemeClr>
-                </a:solidFill>
-                <a:latin typeface="微软雅黑" pitchFamily="34" charset="-122"/>
-                <a:ea typeface="微软雅黑" pitchFamily="34" charset="-122"/>
-              </a:rPr>
-              <a:t>, </a:t>
-            </a:r>
-            <a:r>
-              <a:rPr lang="en-US" altLang="zh-CN" sz="2400" b="1" dirty="0">
-                <a:solidFill>
-                  <a:schemeClr val="tx1">
-                    <a:lumMod val="75000"/>
-                    <a:lumOff val="25000"/>
-                  </a:schemeClr>
-                </a:solidFill>
-                <a:latin typeface="微软雅黑" pitchFamily="34" charset="-122"/>
-                <a:ea typeface="微软雅黑" pitchFamily="34" charset="-122"/>
-              </a:rPr>
-              <a:t>&gt;=</a:t>
-            </a:r>
-            <a:r>
-              <a:rPr lang="en-US" altLang="zh-CN" sz="2400" b="1" dirty="0">
-                <a:solidFill>
-                  <a:schemeClr val="tx1">
-                    <a:lumMod val="75000"/>
-                    <a:lumOff val="25000"/>
-                  </a:schemeClr>
-                </a:solidFill>
-                <a:latin typeface="微软雅黑" pitchFamily="34" charset="-122"/>
-                <a:ea typeface="微软雅黑" pitchFamily="34" charset="-122"/>
-              </a:rPr>
-              <a:t>, </a:t>
-            </a:r>
-            <a:r>
-              <a:rPr lang="en-US" altLang="zh-CN" sz="2400" b="1" dirty="0">
-                <a:solidFill>
-                  <a:schemeClr val="tx1">
-                    <a:lumMod val="75000"/>
-                    <a:lumOff val="25000"/>
-                  </a:schemeClr>
-                </a:solidFill>
-                <a:latin typeface="微软雅黑" pitchFamily="34" charset="-122"/>
-                <a:ea typeface="微软雅黑" pitchFamily="34" charset="-122"/>
-              </a:rPr>
-              <a:t>=</a:t>
-            </a:r>
-            <a:r>
-              <a:rPr lang="en-US" altLang="zh-CN" sz="2400" b="1" dirty="0">
-                <a:solidFill>
-                  <a:schemeClr val="tx1">
-                    <a:lumMod val="75000"/>
-                    <a:lumOff val="25000"/>
-                  </a:schemeClr>
-                </a:solidFill>
-                <a:latin typeface="微软雅黑" pitchFamily="34" charset="-122"/>
-                <a:ea typeface="微软雅黑" pitchFamily="34" charset="-122"/>
-              </a:rPr>
-              <a:t>, </a:t>
-            </a:r>
-            <a:r>
-              <a:rPr lang="en-US" altLang="zh-CN" sz="2400" b="1" dirty="0">
-                <a:solidFill>
-                  <a:schemeClr val="tx1">
-                    <a:lumMod val="75000"/>
-                    <a:lumOff val="25000"/>
-                  </a:schemeClr>
-                </a:solidFill>
-                <a:latin typeface="微软雅黑" pitchFamily="34" charset="-122"/>
-                <a:ea typeface="微软雅黑" pitchFamily="34" charset="-122"/>
-              </a:rPr>
-              <a:t>=&lt;</a:t>
-            </a:r>
-            <a:r>
-              <a:rPr lang="en-US" altLang="zh-CN" sz="2400" b="1" dirty="0">
-                <a:solidFill>
-                  <a:schemeClr val="tx1">
-                    <a:lumMod val="75000"/>
-                    <a:lumOff val="25000"/>
-                  </a:schemeClr>
-                </a:solidFill>
-                <a:latin typeface="微软雅黑" pitchFamily="34" charset="-122"/>
-                <a:ea typeface="微软雅黑" pitchFamily="34" charset="-122"/>
-              </a:rPr>
-              <a:t>, </a:t>
+              <a:t>&gt;, &gt;=, =, =&lt;, </a:t>
             </a:r>
             <a:r>
               <a:rPr lang="en-US" altLang="zh-CN" sz="2400" b="1" dirty="0" smtClean="0">
@@ -6271,7 +6749,59 @@
                 <a:latin typeface="微软雅黑" pitchFamily="34" charset="-122"/>
                 <a:ea typeface="微软雅黑" pitchFamily="34" charset="-122"/>
               </a:rPr>
-              <a:t>， 我们可以比较参数和参数，或者参数和非参数变量或者普通数值</a:t>
+              <a:t>， </a:t>
+            </a:r>
+            <a:r>
+              <a:rPr lang="zh-CN" altLang="en-US" sz="2400" dirty="0" smtClean="0">
+                <a:solidFill>
+                  <a:schemeClr val="tx1">
+                    <a:lumMod val="75000"/>
+                    <a:lumOff val="25000"/>
+                  </a:schemeClr>
+                </a:solidFill>
+                <a:latin typeface="微软雅黑" pitchFamily="34" charset="-122"/>
+                <a:ea typeface="微软雅黑" pitchFamily="34" charset="-122"/>
+              </a:rPr>
+              <a:t>可比较</a:t>
+            </a:r>
+            <a:r>
+              <a:rPr lang="zh-CN" altLang="en-US" sz="2400" dirty="0" smtClean="0">
+                <a:solidFill>
+                  <a:schemeClr val="tx1">
+                    <a:lumMod val="75000"/>
+                    <a:lumOff val="25000"/>
+                  </a:schemeClr>
+                </a:solidFill>
+                <a:latin typeface="微软雅黑" pitchFamily="34" charset="-122"/>
+                <a:ea typeface="微软雅黑" pitchFamily="34" charset="-122"/>
+              </a:rPr>
+              <a:t>参数和参数，或者参数和非参数</a:t>
+            </a:r>
+            <a:r>
+              <a:rPr lang="zh-CN" altLang="en-US" sz="2400" dirty="0" smtClean="0">
+                <a:solidFill>
+                  <a:schemeClr val="tx1">
+                    <a:lumMod val="75000"/>
+                    <a:lumOff val="25000"/>
+                  </a:schemeClr>
+                </a:solidFill>
+                <a:latin typeface="微软雅黑" pitchFamily="34" charset="-122"/>
+                <a:ea typeface="微软雅黑" pitchFamily="34" charset="-122"/>
+              </a:rPr>
+              <a:t>变量，参数和普通</a:t>
+            </a:r>
+            <a:r>
+              <a:rPr lang="zh-CN" altLang="en-US" sz="2400" dirty="0" smtClean="0">
+                <a:solidFill>
+                  <a:schemeClr val="tx1">
+                    <a:lumMod val="75000"/>
+                    <a:lumOff val="25000"/>
+                  </a:schemeClr>
+                </a:solidFill>
+                <a:latin typeface="微软雅黑" pitchFamily="34" charset="-122"/>
+                <a:ea typeface="微软雅黑" pitchFamily="34" charset="-122"/>
+              </a:rPr>
+              <a:t>数值</a:t>
             </a:r>
             <a:r>
               <a:rPr lang="en-US" altLang="zh-CN" sz="2400" dirty="0" smtClean="0">
@@ -6297,7 +6827,20 @@
                 <a:latin typeface="微软雅黑" pitchFamily="34" charset="-122"/>
                 <a:ea typeface="微软雅黑" pitchFamily="34" charset="-122"/>
               </a:rPr>
-              <a:t>如果是多个条件，我们可以使用</a:t>
+              <a:t>如果是多个条件</a:t>
+            </a:r>
+            <a:r>
+              <a:rPr lang="zh-CN" altLang="en-US" sz="2400" dirty="0" smtClean="0">
+                <a:solidFill>
+                  <a:schemeClr val="tx1">
+                    <a:lumMod val="75000"/>
+                    <a:lumOff val="25000"/>
+                  </a:schemeClr>
+                </a:solidFill>
+                <a:latin typeface="微软雅黑" pitchFamily="34" charset="-122"/>
+                <a:ea typeface="微软雅黑" pitchFamily="34" charset="-122"/>
+              </a:rPr>
+              <a:t>，可用</a:t>
             </a:r>
             <a:r>
               <a:rPr lang="en-US" altLang="zh-CN" sz="2400" b="1" dirty="0" smtClean="0">
@@ -6362,7 +6905,20 @@
                 <a:latin typeface="微软雅黑" pitchFamily="34" charset="-122"/>
                 <a:ea typeface="微软雅黑" pitchFamily="34" charset="-122"/>
               </a:rPr>
-              <a:t>的关系，或者用</a:t>
+              <a:t>的关系</a:t>
+            </a:r>
+            <a:r>
+              <a:rPr lang="zh-CN" altLang="en-US" sz="2400" dirty="0" smtClean="0">
+                <a:solidFill>
+                  <a:schemeClr val="tx1">
+                    <a:lumMod val="75000"/>
+                    <a:lumOff val="25000"/>
+                  </a:schemeClr>
+                </a:solidFill>
+                <a:latin typeface="微软雅黑" pitchFamily="34" charset="-122"/>
+                <a:ea typeface="微软雅黑" pitchFamily="34" charset="-122"/>
+              </a:rPr>
+              <a:t>，用</a:t>
             </a:r>
             <a:r>
               <a:rPr lang="zh-CN" altLang="en-US" sz="2400" b="1" dirty="0" smtClean="0">
@@ -6456,6 +7012,19 @@
               <a:t>非</a:t>
             </a:r>
             <a:r>
+              <a:rPr lang="zh-CN" altLang="en-US" sz="2400" dirty="0">
+                <a:solidFill>
+                  <a:schemeClr val="tx1">
+                    <a:lumMod val="75000"/>
+                    <a:lumOff val="25000"/>
+                  </a:schemeClr>
+                </a:solidFill>
+                <a:latin typeface="微软雅黑" pitchFamily="34" charset="-122"/>
+                <a:ea typeface="微软雅黑" pitchFamily="34" charset="-122"/>
+              </a:rPr>
+              <a:t>的</a:t>
+            </a:r>
+            <a:r>
               <a:rPr lang="zh-CN" altLang="en-US" sz="2400" dirty="0" smtClean="0">
                 <a:solidFill>
                   <a:schemeClr val="tx1">
@@ -6466,7 +7035,7 @@
                 <a:latin typeface="微软雅黑" pitchFamily="34" charset="-122"/>
                 <a:ea typeface="微软雅黑" pitchFamily="34" charset="-122"/>
               </a:rPr>
-              <a:t>得关系</a:t>
+              <a:t>关系</a:t>
             </a:r>
             <a:r>
               <a:rPr lang="en-US" altLang="zh-CN" sz="2400" dirty="0" smtClean="0">
@@ -6492,7 +7061,20 @@
                 <a:latin typeface="微软雅黑" pitchFamily="34" charset="-122"/>
                 <a:ea typeface="微软雅黑" pitchFamily="34" charset="-122"/>
               </a:rPr>
-              <a:t>判断中我们还可以使用</a:t>
+              <a:t>判断</a:t>
+            </a:r>
+            <a:r>
+              <a:rPr lang="zh-CN" altLang="en-US" sz="2400" dirty="0" smtClean="0">
+                <a:solidFill>
+                  <a:schemeClr val="tx1">
+                    <a:lumMod val="75000"/>
+                    <a:lumOff val="25000"/>
+                  </a:schemeClr>
+                </a:solidFill>
+                <a:latin typeface="微软雅黑" pitchFamily="34" charset="-122"/>
+                <a:ea typeface="微软雅黑" pitchFamily="34" charset="-122"/>
+              </a:rPr>
+              <a:t>中还可用</a:t>
             </a:r>
             <a:r>
               <a:rPr lang="en-US" altLang="zh-CN" sz="2400" dirty="0" smtClean="0">
@@ -6609,7 +7191,7 @@
                 <a:latin typeface="微软雅黑" pitchFamily="34" charset="-122"/>
                 <a:ea typeface="微软雅黑" pitchFamily="34" charset="-122"/>
               </a:rPr>
-              <a:t>等等</a:t>
+              <a:t>等等，关于函数，后面会介绍</a:t>
             </a:r>
             <a:endParaRPr lang="en-US" altLang="zh-CN" sz="2400" dirty="0" smtClean="0">
               <a:solidFill>
@@ -6942,7 +7524,7 @@
         </p:nvSpPr>
         <p:spPr>
           <a:xfrm>
-            <a:off x="6109812" y="5498741"/>
+            <a:off x="6109811" y="5589240"/>
             <a:ext cx="1774556" cy="432048"/>
           </a:xfrm>
           <a:prstGeom prst="wedgeRoundRectCallout">
@@ -6978,6 +7560,472 @@
                 <a:ea typeface="微软雅黑" pitchFamily="34" charset="-122"/>
               </a:rPr>
               <a:t>满足两个条件</a:t>
+            </a:r>
+            <a:endParaRPr lang="zh-CN" altLang="en-US" dirty="0">
+              <a:latin typeface="微软雅黑" pitchFamily="34" charset="-122"/>
+              <a:ea typeface="微软雅黑" pitchFamily="34" charset="-122"/>
+            </a:endParaRPr>
+          </a:p>
+        </p:txBody>
+      </p:sp>
+      <p:sp>
+        <p:nvSpPr>
+          <p:cNvPr id="11" name="圆角矩形标注 10"/>
+          <p:cNvSpPr/>
+          <p:nvPr/>
+        </p:nvSpPr>
+        <p:spPr>
+          <a:xfrm>
+            <a:off x="3843506" y="908720"/>
+            <a:ext cx="3153583" cy="432048"/>
+          </a:xfrm>
+          <a:prstGeom prst="wedgeRoundRectCallout">
+            <a:avLst>
+              <a:gd name="adj1" fmla="val -23241"/>
+              <a:gd name="adj2" fmla="val -90534"/>
+              <a:gd name="adj3" fmla="val 16667"/>
+            </a:avLst>
+          </a:prstGeom>
+        </p:spPr>
+        <p:style>
+          <a:lnRef idx="2">
+            <a:schemeClr val="accent5"/>
+          </a:lnRef>
+          <a:fillRef idx="1">
+            <a:schemeClr val="lt1"/>
+          </a:fillRef>
+          <a:effectRef idx="0">
+            <a:schemeClr val="accent5"/>
+          </a:effectRef>
+          <a:fontRef idx="minor">
+            <a:schemeClr val="dk1"/>
+          </a:fontRef>
+        </p:style>
+        <p:txBody>
+          <a:bodyPr rtlCol="0" anchor="ctr"/>
+          <a:lstStyle/>
+          <a:p>
+            <a:pPr algn="ctr"/>
+            <a:r>
+              <a:rPr lang="zh-CN" altLang="en-US" dirty="0" smtClean="0">
+                <a:latin typeface="微软雅黑" pitchFamily="34" charset="-122"/>
+                <a:ea typeface="微软雅黑" pitchFamily="34" charset="-122"/>
+              </a:rPr>
+              <a:t>小于</a:t>
+            </a:r>
+            <a:r>
+              <a:rPr lang="en-US" altLang="zh-CN" dirty="0" smtClean="0">
+                <a:latin typeface="微软雅黑" pitchFamily="34" charset="-122"/>
+                <a:ea typeface="微软雅黑" pitchFamily="34" charset="-122"/>
+              </a:rPr>
+              <a:t>100px</a:t>
+            </a:r>
+            <a:r>
+              <a:rPr lang="zh-CN" altLang="en-US" b="1" dirty="0" smtClean="0">
+                <a:solidFill>
+                  <a:srgbClr val="FF0000"/>
+                </a:solidFill>
+                <a:latin typeface="微软雅黑" pitchFamily="34" charset="-122"/>
+                <a:ea typeface="微软雅黑" pitchFamily="34" charset="-122"/>
+              </a:rPr>
+              <a:t>或</a:t>
+            </a:r>
+            <a:r>
+              <a:rPr lang="zh-CN" altLang="en-US" dirty="0" smtClean="0">
+                <a:latin typeface="微软雅黑" pitchFamily="34" charset="-122"/>
+                <a:ea typeface="微软雅黑" pitchFamily="34" charset="-122"/>
+              </a:rPr>
+              <a:t>大于</a:t>
+            </a:r>
+            <a:r>
+              <a:rPr lang="en-US" altLang="zh-CN" dirty="0" smtClean="0">
+                <a:latin typeface="微软雅黑" pitchFamily="34" charset="-122"/>
+                <a:ea typeface="微软雅黑" pitchFamily="34" charset="-122"/>
+              </a:rPr>
+              <a:t>200px</a:t>
+            </a:r>
+            <a:endParaRPr lang="zh-CN" altLang="en-US" dirty="0">
+              <a:latin typeface="微软雅黑" pitchFamily="34" charset="-122"/>
+              <a:ea typeface="微软雅黑" pitchFamily="34" charset="-122"/>
+            </a:endParaRPr>
+          </a:p>
+        </p:txBody>
+      </p:sp>
+      <p:sp>
+        <p:nvSpPr>
+          <p:cNvPr id="12" name="圆角矩形标注 11"/>
+          <p:cNvSpPr/>
+          <p:nvPr/>
+        </p:nvSpPr>
+        <p:spPr>
+          <a:xfrm>
+            <a:off x="3592101" y="1962219"/>
+            <a:ext cx="3716203" cy="432048"/>
+          </a:xfrm>
+          <a:prstGeom prst="wedgeRoundRectCallout">
+            <a:avLst>
+              <a:gd name="adj1" fmla="val -23241"/>
+              <a:gd name="adj2" fmla="val -90534"/>
+              <a:gd name="adj3" fmla="val 16667"/>
+            </a:avLst>
+          </a:prstGeom>
+        </p:spPr>
+        <p:style>
+          <a:lnRef idx="2">
+            <a:schemeClr val="accent5"/>
+          </a:lnRef>
+          <a:fillRef idx="1">
+            <a:schemeClr val="lt1"/>
+          </a:fillRef>
+          <a:effectRef idx="0">
+            <a:schemeClr val="accent5"/>
+          </a:effectRef>
+          <a:fontRef idx="minor">
+            <a:schemeClr val="dk1"/>
+          </a:fontRef>
+        </p:style>
+        <p:txBody>
+          <a:bodyPr rtlCol="0" anchor="ctr"/>
+          <a:lstStyle/>
+          <a:p>
+            <a:pPr algn="ctr"/>
+            <a:r>
+              <a:rPr lang="zh-CN" altLang="en-US" dirty="0" smtClean="0">
+                <a:latin typeface="微软雅黑" pitchFamily="34" charset="-122"/>
+                <a:ea typeface="微软雅黑" pitchFamily="34" charset="-122"/>
+              </a:rPr>
+              <a:t>大于等于</a:t>
+            </a:r>
+            <a:r>
+              <a:rPr lang="en-US" altLang="zh-CN" dirty="0" smtClean="0">
+                <a:latin typeface="微软雅黑" pitchFamily="34" charset="-122"/>
+                <a:ea typeface="微软雅黑" pitchFamily="34" charset="-122"/>
+              </a:rPr>
+              <a:t>100px</a:t>
+            </a:r>
+            <a:r>
+              <a:rPr lang="zh-CN" altLang="en-US" b="1" dirty="0" smtClean="0">
+                <a:solidFill>
+                  <a:srgbClr val="FF0000"/>
+                </a:solidFill>
+                <a:latin typeface="微软雅黑" pitchFamily="34" charset="-122"/>
+                <a:ea typeface="微软雅黑" pitchFamily="34" charset="-122"/>
+              </a:rPr>
+              <a:t>且</a:t>
+            </a:r>
+            <a:r>
+              <a:rPr lang="zh-CN" altLang="en-US" dirty="0" smtClean="0">
+                <a:latin typeface="微软雅黑" pitchFamily="34" charset="-122"/>
+                <a:ea typeface="微软雅黑" pitchFamily="34" charset="-122"/>
+              </a:rPr>
+              <a:t>小于等于</a:t>
+            </a:r>
+            <a:r>
+              <a:rPr lang="en-US" altLang="zh-CN" dirty="0" smtClean="0">
+                <a:latin typeface="微软雅黑" pitchFamily="34" charset="-122"/>
+                <a:ea typeface="微软雅黑" pitchFamily="34" charset="-122"/>
+              </a:rPr>
+              <a:t>200px</a:t>
+            </a:r>
+            <a:endParaRPr lang="zh-CN" altLang="en-US" dirty="0">
+              <a:latin typeface="微软雅黑" pitchFamily="34" charset="-122"/>
+              <a:ea typeface="微软雅黑" pitchFamily="34" charset="-122"/>
+            </a:endParaRPr>
+          </a:p>
+        </p:txBody>
+      </p:sp>
+      <p:sp>
+        <p:nvSpPr>
+          <p:cNvPr id="13" name="圆角矩形标注 12"/>
+          <p:cNvSpPr/>
+          <p:nvPr/>
+        </p:nvSpPr>
+        <p:spPr>
+          <a:xfrm>
+            <a:off x="3315839" y="3002648"/>
+            <a:ext cx="2314527" cy="432048"/>
+          </a:xfrm>
+          <a:prstGeom prst="wedgeRoundRectCallout">
+            <a:avLst>
+              <a:gd name="adj1" fmla="val -23241"/>
+              <a:gd name="adj2" fmla="val -90534"/>
+              <a:gd name="adj3" fmla="val 16667"/>
+            </a:avLst>
+          </a:prstGeom>
+        </p:spPr>
+        <p:style>
+          <a:lnRef idx="2">
+            <a:schemeClr val="accent5"/>
+          </a:lnRef>
+          <a:fillRef idx="1">
+            <a:schemeClr val="lt1"/>
+          </a:fillRef>
+          <a:effectRef idx="0">
+            <a:schemeClr val="accent5"/>
+          </a:effectRef>
+          <a:fontRef idx="minor">
+            <a:schemeClr val="dk1"/>
+          </a:fontRef>
+        </p:style>
+        <p:txBody>
+          <a:bodyPr rtlCol="0" anchor="ctr"/>
+          <a:lstStyle/>
+          <a:p>
+            <a:pPr algn="ctr"/>
+            <a:r>
+              <a:rPr lang="zh-CN" altLang="en-US" b="1" dirty="0" smtClean="0">
+                <a:solidFill>
+                  <a:srgbClr val="FF0000"/>
+                </a:solidFill>
+                <a:latin typeface="微软雅黑" pitchFamily="34" charset="-122"/>
+                <a:ea typeface="微软雅黑" pitchFamily="34" charset="-122"/>
+              </a:rPr>
+              <a:t>非</a:t>
+            </a:r>
+            <a:r>
+              <a:rPr lang="en-US" altLang="zh-CN" b="1" dirty="0" smtClean="0">
+                <a:solidFill>
+                  <a:srgbClr val="FF0000"/>
+                </a:solidFill>
+                <a:latin typeface="微软雅黑" pitchFamily="34" charset="-122"/>
+                <a:ea typeface="微软雅黑" pitchFamily="34" charset="-122"/>
+              </a:rPr>
+              <a:t>(</a:t>
+            </a:r>
+            <a:r>
+              <a:rPr lang="zh-CN" altLang="en-US" b="1" dirty="0" smtClean="0">
+                <a:solidFill>
+                  <a:srgbClr val="FF0000"/>
+                </a:solidFill>
+                <a:latin typeface="微软雅黑" pitchFamily="34" charset="-122"/>
+                <a:ea typeface="微软雅黑" pitchFamily="34" charset="-122"/>
+              </a:rPr>
+              <a:t>不是</a:t>
+            </a:r>
+            <a:r>
+              <a:rPr lang="en-US" altLang="zh-CN" b="1" dirty="0" smtClean="0">
+                <a:solidFill>
+                  <a:srgbClr val="FF0000"/>
+                </a:solidFill>
+                <a:latin typeface="微软雅黑" pitchFamily="34" charset="-122"/>
+                <a:ea typeface="微软雅黑" pitchFamily="34" charset="-122"/>
+              </a:rPr>
+              <a:t>)</a:t>
+            </a:r>
+            <a:r>
+              <a:rPr lang="zh-CN" altLang="en-US" dirty="0" smtClean="0">
+                <a:solidFill>
+                  <a:srgbClr val="FF0000"/>
+                </a:solidFill>
+                <a:latin typeface="微软雅黑" pitchFamily="34" charset="-122"/>
+                <a:ea typeface="微软雅黑" pitchFamily="34" charset="-122"/>
+              </a:rPr>
+              <a:t> </a:t>
+            </a:r>
+            <a:r>
+              <a:rPr lang="zh-CN" altLang="en-US" dirty="0" smtClean="0">
+                <a:latin typeface="微软雅黑" pitchFamily="34" charset="-122"/>
+                <a:ea typeface="微软雅黑" pitchFamily="34" charset="-122"/>
+              </a:rPr>
+              <a:t>大于</a:t>
+            </a:r>
+            <a:r>
+              <a:rPr lang="en-US" altLang="zh-CN" dirty="0" smtClean="0">
+                <a:latin typeface="微软雅黑" pitchFamily="34" charset="-122"/>
+                <a:ea typeface="微软雅黑" pitchFamily="34" charset="-122"/>
+              </a:rPr>
+              <a:t>60px</a:t>
+            </a:r>
+            <a:endParaRPr lang="zh-CN" altLang="en-US" dirty="0">
+              <a:latin typeface="微软雅黑" pitchFamily="34" charset="-122"/>
+              <a:ea typeface="微软雅黑" pitchFamily="34" charset="-122"/>
+            </a:endParaRPr>
+          </a:p>
+        </p:txBody>
+      </p:sp>
+      <p:sp>
+        <p:nvSpPr>
+          <p:cNvPr id="14" name="圆角矩形标注 13"/>
+          <p:cNvSpPr/>
+          <p:nvPr/>
+        </p:nvSpPr>
+        <p:spPr>
+          <a:xfrm>
+            <a:off x="1817545" y="3695735"/>
+            <a:ext cx="1774556" cy="432048"/>
+          </a:xfrm>
+          <a:prstGeom prst="wedgeRoundRectCallout">
+            <a:avLst>
+              <a:gd name="adj1" fmla="val -18484"/>
+              <a:gd name="adj2" fmla="val 72269"/>
+              <a:gd name="adj3" fmla="val 16667"/>
+            </a:avLst>
+          </a:prstGeom>
+        </p:spPr>
+        <p:style>
+          <a:lnRef idx="2">
+            <a:schemeClr val="accent5"/>
+          </a:lnRef>
+          <a:fillRef idx="1">
+            <a:schemeClr val="lt1"/>
+          </a:fillRef>
+          <a:effectRef idx="0">
+            <a:schemeClr val="accent5"/>
+          </a:effectRef>
+          <a:fontRef idx="minor">
+            <a:schemeClr val="dk1"/>
+          </a:fontRef>
+        </p:style>
+        <p:txBody>
+          <a:bodyPr rtlCol="0" anchor="ctr"/>
+          <a:lstStyle/>
+          <a:p>
+            <a:pPr algn="ctr"/>
+            <a:r>
+              <a:rPr lang="zh-CN" altLang="en-US" dirty="0" smtClean="0">
+                <a:latin typeface="微软雅黑" pitchFamily="34" charset="-122"/>
+                <a:ea typeface="微软雅黑" pitchFamily="34" charset="-122"/>
+              </a:rPr>
+              <a:t>满足条件</a:t>
+            </a:r>
+            <a:r>
+              <a:rPr lang="en-US" altLang="zh-CN" dirty="0" smtClean="0">
+                <a:latin typeface="微软雅黑" pitchFamily="34" charset="-122"/>
+                <a:ea typeface="微软雅黑" pitchFamily="34" charset="-122"/>
+              </a:rPr>
+              <a:t>1</a:t>
+            </a:r>
+            <a:endParaRPr lang="zh-CN" altLang="en-US" dirty="0">
+              <a:latin typeface="微软雅黑" pitchFamily="34" charset="-122"/>
+              <a:ea typeface="微软雅黑" pitchFamily="34" charset="-122"/>
+            </a:endParaRPr>
+          </a:p>
+        </p:txBody>
+      </p:sp>
+      <p:sp>
+        <p:nvSpPr>
+          <p:cNvPr id="15" name="圆角矩形标注 14"/>
+          <p:cNvSpPr/>
+          <p:nvPr/>
+        </p:nvSpPr>
+        <p:spPr>
+          <a:xfrm>
+            <a:off x="1817545" y="4669595"/>
+            <a:ext cx="1774556" cy="432048"/>
+          </a:xfrm>
+          <a:prstGeom prst="wedgeRoundRectCallout">
+            <a:avLst>
+              <a:gd name="adj1" fmla="val -18484"/>
+              <a:gd name="adj2" fmla="val 72269"/>
+              <a:gd name="adj3" fmla="val 16667"/>
+            </a:avLst>
+          </a:prstGeom>
+        </p:spPr>
+        <p:style>
+          <a:lnRef idx="2">
+            <a:schemeClr val="accent5"/>
+          </a:lnRef>
+          <a:fillRef idx="1">
+            <a:schemeClr val="lt1"/>
+          </a:fillRef>
+          <a:effectRef idx="0">
+            <a:schemeClr val="accent5"/>
+          </a:effectRef>
+          <a:fontRef idx="minor">
+            <a:schemeClr val="dk1"/>
+          </a:fontRef>
+        </p:style>
+        <p:txBody>
+          <a:bodyPr rtlCol="0" anchor="ctr"/>
+          <a:lstStyle/>
+          <a:p>
+            <a:pPr algn="ctr"/>
+            <a:r>
+              <a:rPr lang="zh-CN" altLang="en-US" dirty="0" smtClean="0">
+                <a:latin typeface="微软雅黑" pitchFamily="34" charset="-122"/>
+                <a:ea typeface="微软雅黑" pitchFamily="34" charset="-122"/>
+              </a:rPr>
+              <a:t>满足条件</a:t>
+            </a:r>
+            <a:r>
+              <a:rPr lang="en-US" altLang="zh-CN" dirty="0" smtClean="0">
+                <a:latin typeface="微软雅黑" pitchFamily="34" charset="-122"/>
+                <a:ea typeface="微软雅黑" pitchFamily="34" charset="-122"/>
+              </a:rPr>
+              <a:t>2</a:t>
+            </a:r>
+            <a:endParaRPr lang="zh-CN" altLang="en-US" dirty="0">
+              <a:latin typeface="微软雅黑" pitchFamily="34" charset="-122"/>
+              <a:ea typeface="微软雅黑" pitchFamily="34" charset="-122"/>
+            </a:endParaRPr>
+          </a:p>
+        </p:txBody>
+      </p:sp>
+      <p:sp>
+        <p:nvSpPr>
+          <p:cNvPr id="16" name="圆角矩形标注 15"/>
+          <p:cNvSpPr/>
+          <p:nvPr/>
+        </p:nvSpPr>
+        <p:spPr>
+          <a:xfrm>
+            <a:off x="1817545" y="5690947"/>
+            <a:ext cx="1774556" cy="432048"/>
+          </a:xfrm>
+          <a:prstGeom prst="wedgeRoundRectCallout">
+            <a:avLst>
+              <a:gd name="adj1" fmla="val -18484"/>
+              <a:gd name="adj2" fmla="val 72269"/>
+              <a:gd name="adj3" fmla="val 16667"/>
+            </a:avLst>
+          </a:prstGeom>
+        </p:spPr>
+        <p:style>
+          <a:lnRef idx="2">
+            <a:schemeClr val="accent5"/>
+          </a:lnRef>
+          <a:fillRef idx="1">
+            <a:schemeClr val="lt1"/>
+          </a:fillRef>
+          <a:effectRef idx="0">
+            <a:schemeClr val="accent5"/>
+          </a:effectRef>
+          <a:fontRef idx="minor">
+            <a:schemeClr val="dk1"/>
+          </a:fontRef>
+        </p:style>
+        <p:txBody>
+          <a:bodyPr rtlCol="0" anchor="ctr"/>
+          <a:lstStyle/>
+          <a:p>
+            <a:pPr algn="ctr"/>
+            <a:r>
+              <a:rPr lang="zh-CN" altLang="en-US" dirty="0" smtClean="0">
+                <a:latin typeface="微软雅黑" pitchFamily="34" charset="-122"/>
+                <a:ea typeface="微软雅黑" pitchFamily="34" charset="-122"/>
+              </a:rPr>
+              <a:t>满足条件</a:t>
+            </a:r>
+            <a:r>
+              <a:rPr lang="en-US" altLang="zh-CN" dirty="0" smtClean="0">
+                <a:latin typeface="微软雅黑" pitchFamily="34" charset="-122"/>
+                <a:ea typeface="微软雅黑" pitchFamily="34" charset="-122"/>
+              </a:rPr>
+              <a:t>1</a:t>
+            </a:r>
+            <a:r>
+              <a:rPr lang="zh-CN" altLang="en-US" dirty="0" smtClean="0">
+                <a:latin typeface="微软雅黑" pitchFamily="34" charset="-122"/>
+                <a:ea typeface="微软雅黑" pitchFamily="34" charset="-122"/>
+              </a:rPr>
+              <a:t>，</a:t>
+            </a:r>
+            <a:r>
+              <a:rPr lang="en-US" altLang="zh-CN" dirty="0" smtClean="0">
+                <a:latin typeface="微软雅黑" pitchFamily="34" charset="-122"/>
+                <a:ea typeface="微软雅黑" pitchFamily="34" charset="-122"/>
+              </a:rPr>
+              <a:t>3</a:t>
             </a:r>
             <a:endParaRPr lang="zh-CN" altLang="en-US" dirty="0">
               <a:latin typeface="微软雅黑" pitchFamily="34" charset="-122"/>
@@ -7221,13 +8269,13 @@
         </p:nvSpPr>
         <p:spPr>
           <a:xfrm>
-            <a:off x="2617378" y="5133094"/>
-            <a:ext cx="2530686" cy="432048"/>
+            <a:off x="2411760" y="5117413"/>
+            <a:ext cx="3272842" cy="432048"/>
           </a:xfrm>
           <a:prstGeom prst="wedgeRoundRectCallout">
             <a:avLst>
-              <a:gd name="adj1" fmla="val -62347"/>
-              <a:gd name="adj2" fmla="val 7147"/>
+              <a:gd name="adj1" fmla="val -53349"/>
+              <a:gd name="adj2" fmla="val 20171"/>
               <a:gd name="adj3" fmla="val 16667"/>
             </a:avLst>
           </a:prstGeom>
@@ -7256,7 +8304,14 @@
                 <a:latin typeface="微软雅黑" pitchFamily="34" charset="-122"/>
                 <a:ea typeface="微软雅黑" pitchFamily="34" charset="-122"/>
               </a:rPr>
-              <a:t>逐渐增宽的目标效果</a:t>
+              <a:t>要实现逐渐</a:t>
+            </a:r>
+            <a:r>
+              <a:rPr lang="zh-CN" altLang="en-US" dirty="0" smtClean="0">
+                <a:latin typeface="微软雅黑" pitchFamily="34" charset="-122"/>
+                <a:ea typeface="微软雅黑" pitchFamily="34" charset="-122"/>
+              </a:rPr>
+              <a:t>增宽的目标效果</a:t>
             </a:r>
             <a:endParaRPr lang="zh-CN" altLang="en-US" dirty="0">
               <a:latin typeface="微软雅黑" pitchFamily="34" charset="-122"/>
@@ -7350,13 +8405,13 @@
         </p:nvSpPr>
         <p:spPr>
           <a:xfrm>
-            <a:off x="2267744" y="476672"/>
-            <a:ext cx="5832648" cy="432048"/>
+            <a:off x="5940152" y="332656"/>
+            <a:ext cx="2124606" cy="1396184"/>
           </a:xfrm>
           <a:prstGeom prst="wedgeRoundRectCallout">
             <a:avLst>
-              <a:gd name="adj1" fmla="val -18774"/>
-              <a:gd name="adj2" fmla="val 104828"/>
+              <a:gd name="adj1" fmla="val -59316"/>
+              <a:gd name="adj2" fmla="val 18390"/>
               <a:gd name="adj3" fmla="val 16667"/>
             </a:avLst>
           </a:prstGeom>
@@ -7379,7 +8434,11 @@
           <a:bodyPr rtlCol="0" anchor="ctr"/>
           <a:lstStyle/>
           <a:p>
-            <a:pPr algn="ctr"/>
+            <a:pPr>
+              <a:lnSpc>
+                <a:spcPct val="150000"/>
+              </a:lnSpc>
+            </a:pPr>
             <a:r>
               <a:rPr lang="en-US" altLang="zh-CN" dirty="0">
                 <a:latin typeface="微软雅黑" pitchFamily="34" charset="-122"/>
@@ -7399,7 +8458,28 @@
                 <a:latin typeface="微软雅黑" pitchFamily="34" charset="-122"/>
                 <a:ea typeface="微软雅黑" pitchFamily="34" charset="-122"/>
               </a:rPr>
-              <a:t>后面是执行条件，条件不满足，不执行该混合</a:t>
+              <a:t>后是</a:t>
+            </a:r>
+            <a:r>
+              <a:rPr lang="zh-CN" altLang="en-US" dirty="0" smtClean="0">
+                <a:latin typeface="微软雅黑" pitchFamily="34" charset="-122"/>
+                <a:ea typeface="微软雅黑" pitchFamily="34" charset="-122"/>
+              </a:rPr>
+              <a:t>执行条件</a:t>
+            </a:r>
+            <a:r>
+              <a:rPr lang="zh-CN" altLang="en-US" dirty="0" smtClean="0">
+                <a:latin typeface="微软雅黑" pitchFamily="34" charset="-122"/>
+                <a:ea typeface="微软雅黑" pitchFamily="34" charset="-122"/>
+              </a:rPr>
+              <a:t>，不</a:t>
+            </a:r>
+            <a:r>
+              <a:rPr lang="zh-CN" altLang="en-US" dirty="0" smtClean="0">
+                <a:latin typeface="微软雅黑" pitchFamily="34" charset="-122"/>
+                <a:ea typeface="微软雅黑" pitchFamily="34" charset="-122"/>
+              </a:rPr>
+              <a:t>满足，不执行该混合</a:t>
             </a:r>
             <a:endParaRPr lang="zh-CN" altLang="en-US" dirty="0">
               <a:latin typeface="微软雅黑" pitchFamily="34" charset="-122"/>
@@ -7463,7 +8543,7 @@
         <p:spPr>
           <a:xfrm>
             <a:off x="1547663" y="2555234"/>
-            <a:ext cx="3024337" cy="360040"/>
+            <a:ext cx="2664297" cy="360040"/>
           </a:xfrm>
           <a:prstGeom prst="rect">
             <a:avLst/>
@@ -7508,13 +8588,13 @@
         </p:nvSpPr>
         <p:spPr>
           <a:xfrm>
-            <a:off x="5004048" y="1813636"/>
-            <a:ext cx="2052228" cy="432048"/>
+            <a:off x="4860032" y="1772816"/>
+            <a:ext cx="2016224" cy="432048"/>
           </a:xfrm>
           <a:prstGeom prst="wedgeRoundRectCallout">
             <a:avLst>
-              <a:gd name="adj1" fmla="val -62347"/>
-              <a:gd name="adj2" fmla="val 7147"/>
+              <a:gd name="adj1" fmla="val -55492"/>
+              <a:gd name="adj2" fmla="val 16915"/>
               <a:gd name="adj3" fmla="val 16667"/>
             </a:avLst>
           </a:prstGeom>
@@ -7567,13 +8647,13 @@
         </p:nvSpPr>
         <p:spPr>
           <a:xfrm>
-            <a:off x="4808058" y="2555234"/>
-            <a:ext cx="3312368" cy="432048"/>
+            <a:off x="4499992" y="2492896"/>
+            <a:ext cx="3816424" cy="432048"/>
           </a:xfrm>
           <a:prstGeom prst="wedgeRoundRectCallout">
             <a:avLst>
-              <a:gd name="adj1" fmla="val -55976"/>
-              <a:gd name="adj2" fmla="val 10403"/>
+              <a:gd name="adj1" fmla="val -54277"/>
+              <a:gd name="adj2" fmla="val 20171"/>
               <a:gd name="adj3" fmla="val 16667"/>
             </a:avLst>
           </a:prstGeom>
@@ -7609,7 +8689,21 @@
                 <a:latin typeface="微软雅黑" pitchFamily="34" charset="-122"/>
                 <a:ea typeface="微软雅黑" pitchFamily="34" charset="-122"/>
               </a:rPr>
-              <a:t>参数要递增，否则是无限循环</a:t>
+              <a:t>当前数量</a:t>
+            </a:r>
+            <a:r>
+              <a:rPr lang="zh-CN" altLang="en-US" dirty="0" smtClean="0">
+                <a:latin typeface="微软雅黑" pitchFamily="34" charset="-122"/>
+                <a:ea typeface="微软雅黑" pitchFamily="34" charset="-122"/>
+              </a:rPr>
+              <a:t>要</a:t>
+            </a:r>
+            <a:r>
+              <a:rPr lang="zh-CN" altLang="en-US" dirty="0" smtClean="0">
+                <a:latin typeface="微软雅黑" pitchFamily="34" charset="-122"/>
+                <a:ea typeface="微软雅黑" pitchFamily="34" charset="-122"/>
+              </a:rPr>
+              <a:t>递增，否则是无限循环</a:t>
             </a:r>
             <a:endParaRPr lang="zh-CN" altLang="en-US" dirty="0">
               <a:latin typeface="微软雅黑" pitchFamily="34" charset="-122"/>
@@ -7626,13 +8720,13 @@
         </p:nvSpPr>
         <p:spPr>
           <a:xfrm>
-            <a:off x="3707904" y="3140968"/>
-            <a:ext cx="1368152" cy="432048"/>
+            <a:off x="2192411" y="2996952"/>
+            <a:ext cx="2376264" cy="432048"/>
           </a:xfrm>
           <a:prstGeom prst="wedgeRoundRectCallout">
             <a:avLst>
-              <a:gd name="adj1" fmla="val -37670"/>
-              <a:gd name="adj2" fmla="val -74254"/>
+              <a:gd name="adj1" fmla="val -24646"/>
+              <a:gd name="adj2" fmla="val -70998"/>
               <a:gd name="adj3" fmla="val 16667"/>
             </a:avLst>
           </a:prstGeom>
@@ -7668,7 +8762,7 @@
                 <a:latin typeface="微软雅黑" pitchFamily="34" charset="-122"/>
                 <a:ea typeface="微软雅黑" pitchFamily="34" charset="-122"/>
               </a:rPr>
-              <a:t>循环调用</a:t>
+              <a:t>调用自身，实现循环</a:t>
             </a:r>
             <a:endParaRPr lang="zh-CN" altLang="en-US" dirty="0">
               <a:latin typeface="微软雅黑" pitchFamily="34" charset="-122"/>
@@ -7699,7 +8793,7 @@
         </p:blipFill>
         <p:spPr>
           <a:xfrm>
-            <a:off x="6302231" y="3160825"/>
+            <a:off x="6302231" y="2996952"/>
             <a:ext cx="1508090" cy="3442233"/>
           </a:xfrm>
           <a:prstGeom prst="rect">
@@ -7775,6 +8869,225 @@
                 <a:ea typeface="微软雅黑" pitchFamily="34" charset="-122"/>
               </a:rPr>
               <a:t>CSS</a:t>
+            </a:r>
+            <a:endParaRPr lang="zh-CN" altLang="en-US" dirty="0">
+              <a:latin typeface="微软雅黑" pitchFamily="34" charset="-122"/>
+              <a:ea typeface="微软雅黑" pitchFamily="34" charset="-122"/>
+            </a:endParaRPr>
+          </a:p>
+        </p:txBody>
+      </p:sp>
+      <p:sp>
+        <p:nvSpPr>
+          <p:cNvPr id="11" name="圆角矩形标注 10"/>
+          <p:cNvSpPr/>
+          <p:nvPr/>
+        </p:nvSpPr>
+        <p:spPr>
+          <a:xfrm>
+            <a:off x="1547662" y="642676"/>
+            <a:ext cx="3240362" cy="432048"/>
+          </a:xfrm>
+          <a:prstGeom prst="wedgeRoundRectCallout">
+            <a:avLst>
+              <a:gd name="adj1" fmla="val -13147"/>
+              <a:gd name="adj2" fmla="val 72268"/>
+              <a:gd name="adj3" fmla="val 16667"/>
+            </a:avLst>
+          </a:prstGeom>
+        </p:spPr>
+        <p:style>
+          <a:lnRef idx="2">
+            <a:schemeClr val="accent5"/>
+          </a:lnRef>
+          <a:fillRef idx="1">
+            <a:schemeClr val="lt1"/>
+          </a:fillRef>
+          <a:effectRef idx="0">
+            <a:schemeClr val="accent5"/>
+          </a:effectRef>
+          <a:fontRef idx="minor">
+            <a:schemeClr val="dk1"/>
+          </a:fontRef>
+        </p:style>
+        <p:txBody>
+          <a:bodyPr rtlCol="0" anchor="ctr"/>
+          <a:lstStyle/>
+          <a:p>
+            <a:pPr algn="ctr"/>
+            <a:r>
+              <a:rPr lang="en-US" altLang="zh-CN" dirty="0" smtClean="0">
+                <a:latin typeface="微软雅黑" pitchFamily="34" charset="-122"/>
+                <a:ea typeface="微软雅黑" pitchFamily="34" charset="-122"/>
+              </a:rPr>
+              <a:t> </a:t>
+            </a:r>
+            <a:r>
+              <a:rPr lang="en-US" altLang="zh-CN" dirty="0" smtClean="0">
+                <a:latin typeface="微软雅黑" pitchFamily="34" charset="-122"/>
+                <a:ea typeface="微软雅黑" pitchFamily="34" charset="-122"/>
+              </a:rPr>
+              <a:t>@n</a:t>
+            </a:r>
+            <a:r>
+              <a:rPr lang="zh-CN" altLang="en-US" dirty="0" smtClean="0">
+                <a:latin typeface="微软雅黑" pitchFamily="34" charset="-122"/>
+                <a:ea typeface="微软雅黑" pitchFamily="34" charset="-122"/>
+              </a:rPr>
+              <a:t>是总数，</a:t>
+            </a:r>
+            <a:r>
+              <a:rPr lang="en-US" altLang="zh-CN" dirty="0" smtClean="0">
+                <a:latin typeface="微软雅黑" pitchFamily="34" charset="-122"/>
+                <a:ea typeface="微软雅黑" pitchFamily="34" charset="-122"/>
+              </a:rPr>
+              <a:t>@i</a:t>
+            </a:r>
+            <a:r>
+              <a:rPr lang="zh-CN" altLang="en-US" dirty="0" smtClean="0">
+                <a:latin typeface="微软雅黑" pitchFamily="34" charset="-122"/>
+                <a:ea typeface="微软雅黑" pitchFamily="34" charset="-122"/>
+              </a:rPr>
+              <a:t>是当前序号</a:t>
+            </a:r>
+            <a:endParaRPr lang="zh-CN" altLang="en-US" dirty="0">
+              <a:latin typeface="微软雅黑" pitchFamily="34" charset="-122"/>
+              <a:ea typeface="微软雅黑" pitchFamily="34" charset="-122"/>
+            </a:endParaRPr>
+          </a:p>
+        </p:txBody>
+      </p:sp>
+      <p:sp>
+        <p:nvSpPr>
+          <p:cNvPr id="12" name="圆角矩形标注 11"/>
+          <p:cNvSpPr/>
+          <p:nvPr/>
+        </p:nvSpPr>
+        <p:spPr>
+          <a:xfrm>
+            <a:off x="1880758" y="4057732"/>
+            <a:ext cx="2979273" cy="432048"/>
+          </a:xfrm>
+          <a:prstGeom prst="wedgeRoundRectCallout">
+            <a:avLst>
+              <a:gd name="adj1" fmla="val -24646"/>
+              <a:gd name="adj2" fmla="val -70998"/>
+              <a:gd name="adj3" fmla="val 16667"/>
+            </a:avLst>
+          </a:prstGeom>
+        </p:spPr>
+        <p:style>
+          <a:lnRef idx="2">
+            <a:schemeClr val="accent5"/>
+          </a:lnRef>
+          <a:fillRef idx="1">
+            <a:schemeClr val="lt1"/>
+          </a:fillRef>
+          <a:effectRef idx="0">
+            <a:schemeClr val="accent5"/>
+          </a:effectRef>
+          <a:fontRef idx="minor">
+            <a:schemeClr val="dk1"/>
+          </a:fontRef>
+        </p:style>
+        <p:txBody>
+          <a:bodyPr rtlCol="0" anchor="ctr"/>
+          <a:lstStyle/>
+          <a:p>
+            <a:pPr algn="ctr"/>
+            <a:r>
+              <a:rPr lang="en-US" altLang="zh-CN" dirty="0" smtClean="0">
+                <a:latin typeface="微软雅黑" pitchFamily="34" charset="-122"/>
+                <a:ea typeface="微软雅黑" pitchFamily="34" charset="-122"/>
+              </a:rPr>
+              <a:t> </a:t>
+            </a:r>
+            <a:r>
+              <a:rPr lang="zh-CN" altLang="en-US" dirty="0" smtClean="0">
+                <a:latin typeface="微软雅黑" pitchFamily="34" charset="-122"/>
+                <a:ea typeface="微软雅黑" pitchFamily="34" charset="-122"/>
+              </a:rPr>
+              <a:t>为</a:t>
+            </a:r>
+            <a:r>
+              <a:rPr lang="zh-CN" altLang="en-US" dirty="0" smtClean="0">
+                <a:latin typeface="微软雅黑" pitchFamily="34" charset="-122"/>
+                <a:ea typeface="微软雅黑" pitchFamily="34" charset="-122"/>
+              </a:rPr>
+              <a:t>列表的</a:t>
+            </a:r>
+            <a:r>
+              <a:rPr lang="en-US" altLang="zh-CN" dirty="0" smtClean="0">
+                <a:latin typeface="微软雅黑" pitchFamily="34" charset="-122"/>
+                <a:ea typeface="微软雅黑" pitchFamily="34" charset="-122"/>
+              </a:rPr>
+              <a:t>5</a:t>
+            </a:r>
+            <a:r>
+              <a:rPr lang="zh-CN" altLang="en-US" dirty="0" smtClean="0">
+                <a:latin typeface="微软雅黑" pitchFamily="34" charset="-122"/>
+                <a:ea typeface="微软雅黑" pitchFamily="34" charset="-122"/>
+              </a:rPr>
+              <a:t>个项目设置样式</a:t>
+            </a:r>
+            <a:endParaRPr lang="zh-CN" altLang="en-US" dirty="0">
+              <a:latin typeface="微软雅黑" pitchFamily="34" charset="-122"/>
+              <a:ea typeface="微软雅黑" pitchFamily="34" charset="-122"/>
+            </a:endParaRPr>
+          </a:p>
+        </p:txBody>
+      </p:sp>
+      <p:sp>
+        <p:nvSpPr>
+          <p:cNvPr id="13" name="圆角矩形标注 12"/>
+          <p:cNvSpPr/>
+          <p:nvPr/>
+        </p:nvSpPr>
+        <p:spPr>
+          <a:xfrm>
+            <a:off x="2771800" y="1556792"/>
+            <a:ext cx="1620180" cy="360040"/>
+          </a:xfrm>
+          <a:prstGeom prst="wedgeRoundRectCallout">
+            <a:avLst>
+              <a:gd name="adj1" fmla="val -55492"/>
+              <a:gd name="adj2" fmla="val 16915"/>
+              <a:gd name="adj3" fmla="val 16667"/>
+            </a:avLst>
+          </a:prstGeom>
+        </p:spPr>
+        <p:style>
+          <a:lnRef idx="2">
+            <a:schemeClr val="accent5"/>
+          </a:lnRef>
+          <a:fillRef idx="1">
+            <a:schemeClr val="lt1"/>
+          </a:fillRef>
+          <a:effectRef idx="0">
+            <a:schemeClr val="accent5"/>
+          </a:effectRef>
+          <a:fontRef idx="minor">
+            <a:schemeClr val="dk1"/>
+          </a:fontRef>
+        </p:style>
+        <p:txBody>
+          <a:bodyPr rtlCol="0" anchor="ctr"/>
+          <a:lstStyle/>
+          <a:p>
+            <a:pPr algn="ctr"/>
+            <a:r>
+              <a:rPr lang="en-US" altLang="zh-CN" dirty="0" smtClean="0">
+                <a:latin typeface="微软雅黑" pitchFamily="34" charset="-122"/>
+                <a:ea typeface="微软雅黑" pitchFamily="34" charset="-122"/>
+              </a:rPr>
+              <a:t> </a:t>
+            </a:r>
+            <a:r>
+              <a:rPr lang="zh-CN" altLang="en-US" dirty="0" smtClean="0">
+                <a:latin typeface="微软雅黑" pitchFamily="34" charset="-122"/>
+                <a:ea typeface="微软雅黑" pitchFamily="34" charset="-122"/>
+              </a:rPr>
+              <a:t>当前选择器</a:t>
             </a:r>
             <a:endParaRPr lang="zh-CN" altLang="en-US" dirty="0">
               <a:latin typeface="微软雅黑" pitchFamily="34" charset="-122"/>
@@ -8336,7 +9649,7 @@
   <a:extraClrSchemeLst/>
   <a:extLst>
     <a:ext uri="{05A4C25C-085E-4340-85A3-A5531E510DB2}">
-      <thm15:themeFamily xmlns="" xmlns:thm15="http://schemas.microsoft.com/office/thememl/2012/main" name="Office Theme" id="{62F939B6-93AF-4DB8-9C6B-D6C7DFDC589F}" vid="{4A3C46E8-61CC-4603-A589-7422A47A8E4A}"/>
+      <thm15:themeFamily xmlns:thm15="http://schemas.microsoft.com/office/thememl/2012/main" xmlns="" name="Office Theme" id="{62F939B6-93AF-4DB8-9C6B-D6C7DFDC589F}" vid="{4A3C46E8-61CC-4603-A589-7422A47A8E4A}"/>
     </a:ext>
   </a:extLst>
 </a:theme>
